--- a/Создание веб-приложения для обработки и анализа данных с.pptx
+++ b/Создание веб-приложения для обработки и анализа данных с.pptx
@@ -5,7 +5,7 @@
     <p:sldMasterId id="2147483648" r:id="rId1"/>
   </p:sldMasterIdLst>
   <p:notesMasterIdLst>
-    <p:notesMasterId r:id="rId16"/>
+    <p:notesMasterId r:id="rId15"/>
   </p:notesMasterIdLst>
   <p:sldIdLst>
     <p:sldId id="256" r:id="rId2"/>
@@ -21,7 +21,6 @@
     <p:sldId id="336" r:id="rId12"/>
     <p:sldId id="337" r:id="rId13"/>
     <p:sldId id="339" r:id="rId14"/>
-    <p:sldId id="338" r:id="rId15"/>
   </p:sldIdLst>
   <p:sldSz cx="12192000" cy="6858000"/>
   <p:notesSz cx="6858000" cy="9144000"/>
@@ -120,6 +119,11 @@
       </a:defRPr>
     </a:lvl9pPr>
   </p:defaultTextStyle>
+  <p:extLst>
+    <p:ext uri="{EFAFB233-063F-42B5-8137-9DF3F51BA10A}">
+      <p15:sldGuideLst xmlns:p15="http://schemas.microsoft.com/office/powerpoint/2012/main"/>
+    </p:ext>
+  </p:extLst>
 </p:presentation>
 </file>
 
@@ -205,7 +209,7 @@
           <a:p>
             <a:fld id="{06B74AD7-FF22-44AE-B6C6-2151708EEED9}" type="datetimeFigureOut">
               <a:rPr lang="ru-RU" smtClean="0"/>
-              <a:t>26.11.2023</a:t>
+              <a:t>27.11.2023</a:t>
             </a:fld>
             <a:endParaRPr lang="ru-RU"/>
           </a:p>
@@ -619,7 +623,7 @@
           <a:p>
             <a:fld id="{95807D71-2279-4B07-9A72-837DC42E7721}" type="datetime1">
               <a:rPr lang="ru-RU" smtClean="0"/>
-              <a:t>26.11.2023</a:t>
+              <a:t>27.11.2023</a:t>
             </a:fld>
             <a:endParaRPr lang="ru-RU"/>
           </a:p>
@@ -817,7 +821,7 @@
           <a:p>
             <a:fld id="{95B28D2A-F442-43FC-8A2D-BA0E0D203E85}" type="datetime1">
               <a:rPr lang="ru-RU" smtClean="0"/>
-              <a:t>26.11.2023</a:t>
+              <a:t>27.11.2023</a:t>
             </a:fld>
             <a:endParaRPr lang="ru-RU"/>
           </a:p>
@@ -1025,7 +1029,7 @@
           <a:p>
             <a:fld id="{AFFE878C-46E4-4BDF-9838-6F9AD5A6CC40}" type="datetime1">
               <a:rPr lang="ru-RU" smtClean="0"/>
-              <a:t>26.11.2023</a:t>
+              <a:t>27.11.2023</a:t>
             </a:fld>
             <a:endParaRPr lang="ru-RU"/>
           </a:p>
@@ -1223,7 +1227,7 @@
           <a:p>
             <a:fld id="{585F95D1-B5B3-4C43-AE85-303E9B959DE3}" type="datetime1">
               <a:rPr lang="ru-RU" smtClean="0"/>
-              <a:t>26.11.2023</a:t>
+              <a:t>27.11.2023</a:t>
             </a:fld>
             <a:endParaRPr lang="ru-RU"/>
           </a:p>
@@ -1498,7 +1502,7 @@
           <a:p>
             <a:fld id="{B7E2EE70-087B-4773-B27E-B7D4CD37631C}" type="datetime1">
               <a:rPr lang="ru-RU" smtClean="0"/>
-              <a:t>26.11.2023</a:t>
+              <a:t>27.11.2023</a:t>
             </a:fld>
             <a:endParaRPr lang="ru-RU"/>
           </a:p>
@@ -1763,7 +1767,7 @@
           <a:p>
             <a:fld id="{AF57F753-8731-4B82-A485-45BDFE3FA973}" type="datetime1">
               <a:rPr lang="ru-RU" smtClean="0"/>
-              <a:t>26.11.2023</a:t>
+              <a:t>27.11.2023</a:t>
             </a:fld>
             <a:endParaRPr lang="ru-RU"/>
           </a:p>
@@ -2175,7 +2179,7 @@
           <a:p>
             <a:fld id="{56B795F0-BBEE-42E3-B8A5-1DFC0966F3E4}" type="datetime1">
               <a:rPr lang="ru-RU" smtClean="0"/>
-              <a:t>26.11.2023</a:t>
+              <a:t>27.11.2023</a:t>
             </a:fld>
             <a:endParaRPr lang="ru-RU"/>
           </a:p>
@@ -2316,7 +2320,7 @@
           <a:p>
             <a:fld id="{6001E3D1-BD8B-45B8-9B35-96F0752AB7DD}" type="datetime1">
               <a:rPr lang="ru-RU" smtClean="0"/>
-              <a:t>26.11.2023</a:t>
+              <a:t>27.11.2023</a:t>
             </a:fld>
             <a:endParaRPr lang="ru-RU"/>
           </a:p>
@@ -2429,7 +2433,7 @@
           <a:p>
             <a:fld id="{D7DCFC2F-5437-4D10-8107-C6BEAA619714}" type="datetime1">
               <a:rPr lang="ru-RU" smtClean="0"/>
-              <a:t>26.11.2023</a:t>
+              <a:t>27.11.2023</a:t>
             </a:fld>
             <a:endParaRPr lang="ru-RU"/>
           </a:p>
@@ -2740,7 +2744,7 @@
           <a:p>
             <a:fld id="{C27AE428-06F1-4BF7-AA3F-B3B59E5E165D}" type="datetime1">
               <a:rPr lang="ru-RU" smtClean="0"/>
-              <a:t>26.11.2023</a:t>
+              <a:t>27.11.2023</a:t>
             </a:fld>
             <a:endParaRPr lang="ru-RU"/>
           </a:p>
@@ -3028,7 +3032,7 @@
           <a:p>
             <a:fld id="{09EDDD56-65DC-478B-9E44-08B1624FFFB0}" type="datetime1">
               <a:rPr lang="ru-RU" smtClean="0"/>
-              <a:t>26.11.2023</a:t>
+              <a:t>27.11.2023</a:t>
             </a:fld>
             <a:endParaRPr lang="ru-RU"/>
           </a:p>
@@ -3269,7 +3273,7 @@
           <a:p>
             <a:fld id="{1EF7A011-396A-4699-8090-AF17DDAE2BEF}" type="datetime1">
               <a:rPr lang="ru-RU" smtClean="0"/>
-              <a:t>26.11.2023</a:t>
+              <a:t>27.11.2023</a:t>
             </a:fld>
             <a:endParaRPr lang="ru-RU"/>
           </a:p>
@@ -7142,75 +7146,6 @@
           </a:p>
         </p:txBody>
       </p:sp>
-      <p:sp>
-        <p:nvSpPr>
-          <p:cNvPr id="5" name="Rectangle 49">
-            <a:extLst>
-              <a:ext uri="{FF2B5EF4-FFF2-40B4-BE49-F238E27FC236}">
-                <a16:creationId xmlns:a16="http://schemas.microsoft.com/office/drawing/2014/main" id="{A16241C0-A1C7-4C8C-95BE-F56624F29B90}"/>
-              </a:ext>
-            </a:extLst>
-          </p:cNvPr>
-          <p:cNvSpPr/>
-          <p:nvPr/>
-        </p:nvSpPr>
-        <p:spPr>
-          <a:xfrm>
-            <a:off x="395124" y="1109118"/>
-            <a:ext cx="5313801" cy="2058842"/>
-          </a:xfrm>
-          <a:prstGeom prst="rect">
-            <a:avLst/>
-          </a:prstGeom>
-          <a:solidFill>
-            <a:schemeClr val="bg1"/>
-          </a:solidFill>
-          <a:ln>
-            <a:noFill/>
-          </a:ln>
-          <a:effectLst>
-            <a:outerShdw blurRad="63500" sx="102000" sy="102000" algn="ctr" rotWithShape="0">
-              <a:prstClr val="black">
-                <a:alpha val="20000"/>
-              </a:prstClr>
-            </a:outerShdw>
-          </a:effectLst>
-        </p:spPr>
-        <p:style>
-          <a:lnRef idx="2">
-            <a:schemeClr val="accent1">
-              <a:shade val="50000"/>
-            </a:schemeClr>
-          </a:lnRef>
-          <a:fillRef idx="1">
-            <a:schemeClr val="accent1"/>
-          </a:fillRef>
-          <a:effectRef idx="0">
-            <a:schemeClr val="accent1"/>
-          </a:effectRef>
-          <a:fontRef idx="minor">
-            <a:schemeClr val="lt1"/>
-          </a:fontRef>
-        </p:style>
-        <p:txBody>
-          <a:bodyPr rtlCol="0" anchor="ctr"/>
-          <a:lstStyle/>
-          <a:p>
-            <a:pPr lvl="0"/>
-            <a:r>
-              <a:rPr lang="en-US" sz="1800" b="0" dirty="0">
-                <a:latin typeface="Times New Roman" panose="02020603050405020304" pitchFamily="18" charset="0"/>
-                <a:cs typeface="Times New Roman" panose="02020603050405020304" pitchFamily="18" charset="0"/>
-              </a:rPr>
-              <a:t>hon</a:t>
-            </a:r>
-            <a:endParaRPr lang="ru-RU" sz="1800" b="0" dirty="0">
-              <a:latin typeface="Times New Roman" panose="02020603050405020304" pitchFamily="18" charset="0"/>
-              <a:cs typeface="Times New Roman" panose="02020603050405020304" pitchFamily="18" charset="0"/>
-            </a:endParaRPr>
-          </a:p>
-        </p:txBody>
-      </p:sp>
       <p:grpSp>
         <p:nvGrpSpPr>
           <p:cNvPr id="24" name="Группа 23">
@@ -7225,8 +7160,8 @@
         </p:nvGrpSpPr>
         <p:grpSpPr>
           <a:xfrm>
-            <a:off x="5783137" y="1152755"/>
-            <a:ext cx="6013740" cy="2015206"/>
+            <a:off x="368583" y="1152754"/>
+            <a:ext cx="8094282" cy="5005449"/>
             <a:chOff x="7862235" y="243680"/>
             <a:chExt cx="3709323" cy="2370199"/>
           </a:xfrm>
@@ -7322,7 +7257,7 @@
           <p:spPr>
             <a:xfrm>
               <a:off x="7929606" y="243680"/>
-              <a:ext cx="3571661" cy="856057"/>
+              <a:ext cx="3571661" cy="380093"/>
             </a:xfrm>
             <a:prstGeom prst="rect">
               <a:avLst/>
@@ -7341,7 +7276,7 @@
                   </a:solidFill>
                   <a:latin typeface="GPN_DIN Condensed" panose="020B0506020202020204" pitchFamily="34" charset="-52"/>
                 </a:rPr>
-                <a:t>Выводы</a:t>
+                <a:t>Интерфейс</a:t>
               </a:r>
             </a:p>
           </p:txBody>
@@ -7407,8 +7342,8 @@
         </p:nvSpPr>
         <p:spPr>
           <a:xfrm>
-            <a:off x="368583" y="3429001"/>
-            <a:ext cx="11428294" cy="3249968"/>
+            <a:off x="8656722" y="1152754"/>
+            <a:ext cx="3044763" cy="5005448"/>
           </a:xfrm>
           <a:prstGeom prst="rect">
             <a:avLst/>
@@ -7464,10 +7399,69 @@
       </p:sp>
       <p:sp>
         <p:nvSpPr>
-          <p:cNvPr id="41" name="TextBox 40">
-            <a:extLst>
-              <a:ext uri="{FF2B5EF4-FFF2-40B4-BE49-F238E27FC236}">
-                <a16:creationId xmlns:a16="http://schemas.microsoft.com/office/drawing/2014/main" id="{62233B02-1D57-3B6C-DEEA-146A89CEFC7C}"/>
+          <p:cNvPr id="3" name="Номер слайда 2">
+            <a:extLst>
+              <a:ext uri="{FF2B5EF4-FFF2-40B4-BE49-F238E27FC236}">
+                <a16:creationId xmlns:a16="http://schemas.microsoft.com/office/drawing/2014/main" id="{FA0955FC-6AB8-13CD-E518-3C7C3E68511A}"/>
+              </a:ext>
+            </a:extLst>
+          </p:cNvPr>
+          <p:cNvSpPr>
+            <a:spLocks noGrp="1"/>
+          </p:cNvSpPr>
+          <p:nvPr>
+            <p:ph type="sldNum" sz="quarter" idx="12"/>
+          </p:nvPr>
+        </p:nvSpPr>
+        <p:spPr/>
+        <p:txBody>
+          <a:bodyPr/>
+          <a:lstStyle/>
+          <a:p>
+            <a:fld id="{19383431-F09E-4515-A32B-AF346B6F78E1}" type="slidenum">
+              <a:rPr lang="ru-RU" smtClean="0"/>
+              <a:t>11</a:t>
+            </a:fld>
+            <a:endParaRPr lang="ru-RU"/>
+          </a:p>
+        </p:txBody>
+      </p:sp>
+      <p:pic>
+        <p:nvPicPr>
+          <p:cNvPr id="4" name="Рисунок 3" descr="Изображение выглядит как текст, снимок экрана, дисплей, программное обеспечение&#10;&#10;Автоматически созданное описание">
+            <a:extLst>
+              <a:ext uri="{FF2B5EF4-FFF2-40B4-BE49-F238E27FC236}">
+                <a16:creationId xmlns:a16="http://schemas.microsoft.com/office/drawing/2014/main" id="{054615D5-D8E8-A48B-F488-D3405AC4C0E7}"/>
+              </a:ext>
+            </a:extLst>
+          </p:cNvPr>
+          <p:cNvPicPr>
+            <a:picLocks noChangeAspect="1"/>
+          </p:cNvPicPr>
+          <p:nvPr/>
+        </p:nvPicPr>
+        <p:blipFill>
+          <a:blip r:embed="rId3"/>
+          <a:stretch>
+            <a:fillRect/>
+          </a:stretch>
+        </p:blipFill>
+        <p:spPr>
+          <a:xfrm>
+            <a:off x="490515" y="1595721"/>
+            <a:ext cx="7849011" cy="3960164"/>
+          </a:xfrm>
+          <a:prstGeom prst="rect">
+            <a:avLst/>
+          </a:prstGeom>
+        </p:spPr>
+      </p:pic>
+      <p:sp>
+        <p:nvSpPr>
+          <p:cNvPr id="7" name="TextBox 6">
+            <a:extLst>
+              <a:ext uri="{FF2B5EF4-FFF2-40B4-BE49-F238E27FC236}">
+                <a16:creationId xmlns:a16="http://schemas.microsoft.com/office/drawing/2014/main" id="{03C0FB9C-AA9B-CBA7-0C8D-7800C7FEC136}"/>
               </a:ext>
             </a:extLst>
           </p:cNvPr>
@@ -7476,8 +7470,8 @@
         </p:nvSpPr>
         <p:spPr>
           <a:xfrm>
-            <a:off x="1543679" y="6237370"/>
-            <a:ext cx="2689549" cy="340734"/>
+            <a:off x="8656720" y="1554099"/>
+            <a:ext cx="3044764" cy="1561710"/>
           </a:xfrm>
           <a:prstGeom prst="rect">
             <a:avLst/>
@@ -7490,109 +7484,73 @@
           </a:bodyPr>
           <a:lstStyle/>
           <a:p>
-            <a:pPr lvl="0">
+            <a:pPr marL="342900" indent="-342900" algn="ctr">
               <a:lnSpc>
                 <a:spcPct val="150000"/>
               </a:lnSpc>
+              <a:buFont typeface="+mj-lt"/>
+              <a:buAutoNum type="arabicPeriod"/>
             </a:pPr>
             <a:r>
-              <a:rPr lang="ru-RU" sz="1200" dirty="0">
+              <a:rPr lang="ru-RU" sz="1300" dirty="0">
                 <a:solidFill>
                   <a:schemeClr val="tx2"/>
                 </a:solidFill>
                 <a:latin typeface="GPN_DIN Condensed" panose="020B0506020202020204" pitchFamily="34" charset="-52"/>
               </a:rPr>
-              <a:t>Тренировочный прогноз</a:t>
-            </a:r>
-            <a:endParaRPr lang="en-US" sz="1200" dirty="0">
-              <a:solidFill>
-                <a:schemeClr val="tx2"/>
-              </a:solidFill>
-              <a:latin typeface="GPN_DIN Condensed" panose="020B0506020202020204" pitchFamily="34" charset="-52"/>
-            </a:endParaRPr>
+              <a:t>Возможность экспресс-оценки стоимости автомобиля при вводе входных данных</a:t>
+            </a:r>
+          </a:p>
+          <a:p>
+            <a:pPr marL="342900" indent="-342900" algn="ctr">
+              <a:lnSpc>
+                <a:spcPct val="150000"/>
+              </a:lnSpc>
+              <a:buFont typeface="+mj-lt"/>
+              <a:buAutoNum type="arabicPeriod"/>
+            </a:pPr>
+            <a:r>
+              <a:rPr lang="ru-RU" sz="1300" dirty="0">
+                <a:solidFill>
+                  <a:schemeClr val="tx2"/>
+                </a:solidFill>
+                <a:latin typeface="GPN_DIN Condensed" panose="020B0506020202020204" pitchFamily="34" charset="-52"/>
+              </a:rPr>
+              <a:t>Оперативная визуализация ответа без перехода в новое окно</a:t>
+            </a:r>
           </a:p>
         </p:txBody>
       </p:sp>
-      <p:sp>
-        <p:nvSpPr>
-          <p:cNvPr id="42" name="TextBox 41">
-            <a:extLst>
-              <a:ext uri="{FF2B5EF4-FFF2-40B4-BE49-F238E27FC236}">
-                <a16:creationId xmlns:a16="http://schemas.microsoft.com/office/drawing/2014/main" id="{763A91B7-5D0F-EF2F-0A1A-5F469ABCD738}"/>
-              </a:ext>
-            </a:extLst>
-          </p:cNvPr>
-          <p:cNvSpPr txBox="1"/>
+      <p:pic>
+        <p:nvPicPr>
+          <p:cNvPr id="9" name="Рисунок 8">
+            <a:extLst>
+              <a:ext uri="{FF2B5EF4-FFF2-40B4-BE49-F238E27FC236}">
+                <a16:creationId xmlns:a16="http://schemas.microsoft.com/office/drawing/2014/main" id="{B8731D97-258E-20C6-BAF0-75ED0E45FAD9}"/>
+              </a:ext>
+            </a:extLst>
+          </p:cNvPr>
+          <p:cNvPicPr>
+            <a:picLocks noChangeAspect="1"/>
+          </p:cNvPicPr>
           <p:nvPr/>
-        </p:nvSpPr>
+        </p:nvPicPr>
+        <p:blipFill>
+          <a:blip r:embed="rId4"/>
+          <a:stretch>
+            <a:fillRect/>
+          </a:stretch>
+        </p:blipFill>
         <p:spPr>
           <a:xfrm>
-            <a:off x="5624573" y="6202126"/>
-            <a:ext cx="1437378" cy="340734"/>
+            <a:off x="8905208" y="4421080"/>
+            <a:ext cx="2547789" cy="882821"/>
           </a:xfrm>
           <a:prstGeom prst="rect">
             <a:avLst/>
           </a:prstGeom>
-          <a:noFill/>
         </p:spPr>
-        <p:txBody>
-          <a:bodyPr wrap="square">
-            <a:spAutoFit/>
-          </a:bodyPr>
-          <a:lstStyle/>
-          <a:p>
-            <a:pPr lvl="0">
-              <a:lnSpc>
-                <a:spcPct val="150000"/>
-              </a:lnSpc>
-            </a:pPr>
-            <a:r>
-              <a:rPr lang="ru-RU" sz="1200" dirty="0">
-                <a:solidFill>
-                  <a:schemeClr val="tx2"/>
-                </a:solidFill>
-                <a:latin typeface="GPN_DIN Condensed" panose="020B0506020202020204" pitchFamily="34" charset="-52"/>
-              </a:rPr>
-              <a:t>Тестовый прогноз</a:t>
-            </a:r>
-            <a:endParaRPr lang="en-US" sz="1200" dirty="0">
-              <a:solidFill>
-                <a:schemeClr val="tx2"/>
-              </a:solidFill>
-              <a:latin typeface="GPN_DIN Condensed" panose="020B0506020202020204" pitchFamily="34" charset="-52"/>
-            </a:endParaRPr>
-          </a:p>
-        </p:txBody>
-      </p:sp>
-      <p:sp>
-        <p:nvSpPr>
-          <p:cNvPr id="3" name="Номер слайда 2">
-            <a:extLst>
-              <a:ext uri="{FF2B5EF4-FFF2-40B4-BE49-F238E27FC236}">
-                <a16:creationId xmlns:a16="http://schemas.microsoft.com/office/drawing/2014/main" id="{FA0955FC-6AB8-13CD-E518-3C7C3E68511A}"/>
-              </a:ext>
-            </a:extLst>
-          </p:cNvPr>
-          <p:cNvSpPr>
-            <a:spLocks noGrp="1"/>
-          </p:cNvSpPr>
-          <p:nvPr>
-            <p:ph type="sldNum" sz="quarter" idx="12"/>
-          </p:nvPr>
-        </p:nvSpPr>
-        <p:spPr/>
-        <p:txBody>
-          <a:bodyPr/>
-          <a:lstStyle/>
-          <a:p>
-            <a:fld id="{19383431-F09E-4515-A32B-AF346B6F78E1}" type="slidenum">
-              <a:rPr lang="ru-RU" smtClean="0"/>
-              <a:t>11</a:t>
-            </a:fld>
-            <a:endParaRPr lang="ru-RU"/>
-          </a:p>
-        </p:txBody>
-      </p:sp>
+      </p:pic>
     </p:spTree>
     <p:extLst>
       <p:ext uri="{BB962C8B-B14F-4D97-AF65-F5344CB8AC3E}">
@@ -7672,8 +7630,8 @@
         </p:nvSpPr>
         <p:spPr>
           <a:xfrm>
-            <a:off x="395124" y="1109118"/>
-            <a:ext cx="5313801" cy="2058842"/>
+            <a:off x="395123" y="1152754"/>
+            <a:ext cx="11401754" cy="2276245"/>
           </a:xfrm>
           <a:prstGeom prst="rect">
             <a:avLst/>
@@ -7727,142 +7685,45 @@
           </a:p>
         </p:txBody>
       </p:sp>
-      <p:grpSp>
-        <p:nvGrpSpPr>
-          <p:cNvPr id="24" name="Группа 23">
-            <a:extLst>
-              <a:ext uri="{FF2B5EF4-FFF2-40B4-BE49-F238E27FC236}">
-                <a16:creationId xmlns:a16="http://schemas.microsoft.com/office/drawing/2014/main" id="{4408DD8E-3D31-4543-8718-6CDF57EEC016}"/>
-              </a:ext>
-            </a:extLst>
-          </p:cNvPr>
-          <p:cNvGrpSpPr/>
+      <p:sp>
+        <p:nvSpPr>
+          <p:cNvPr id="17" name="Прямоугольник 16">
+            <a:extLst>
+              <a:ext uri="{FF2B5EF4-FFF2-40B4-BE49-F238E27FC236}">
+                <a16:creationId xmlns:a16="http://schemas.microsoft.com/office/drawing/2014/main" id="{750124EB-0C1A-4E1D-B9F3-E40AFC4EB38B}"/>
+              </a:ext>
+            </a:extLst>
+          </p:cNvPr>
+          <p:cNvSpPr/>
           <p:nvPr/>
-        </p:nvGrpSpPr>
-        <p:grpSpPr>
+        </p:nvSpPr>
+        <p:spPr>
           <a:xfrm>
-            <a:off x="5783137" y="1152755"/>
-            <a:ext cx="6013740" cy="2015206"/>
-            <a:chOff x="7862235" y="243680"/>
-            <a:chExt cx="3709323" cy="2370199"/>
+            <a:off x="760526" y="1314597"/>
+            <a:ext cx="5790555" cy="727842"/>
           </a:xfrm>
-        </p:grpSpPr>
-        <p:sp>
-          <p:nvSpPr>
-            <p:cNvPr id="22" name="Rectangle 49">
-              <a:extLst>
-                <a:ext uri="{FF2B5EF4-FFF2-40B4-BE49-F238E27FC236}">
-                  <a16:creationId xmlns:a16="http://schemas.microsoft.com/office/drawing/2014/main" id="{EFEBAC18-F829-4856-B7FB-9CA7887D5588}"/>
-                </a:ext>
-              </a:extLst>
-            </p:cNvPr>
-            <p:cNvSpPr/>
-            <p:nvPr/>
-          </p:nvSpPr>
-          <p:spPr>
-            <a:xfrm>
-              <a:off x="7862235" y="243680"/>
-              <a:ext cx="3709323" cy="2370199"/>
-            </a:xfrm>
-            <a:prstGeom prst="rect">
-              <a:avLst/>
-            </a:prstGeom>
-            <a:solidFill>
-              <a:schemeClr val="bg1"/>
-            </a:solidFill>
-            <a:ln>
-              <a:noFill/>
-            </a:ln>
-            <a:effectLst>
-              <a:outerShdw blurRad="63500" sx="102000" sy="102000" algn="ctr" rotWithShape="0">
-                <a:prstClr val="black">
-                  <a:alpha val="20000"/>
-                </a:prstClr>
-              </a:outerShdw>
-            </a:effectLst>
-          </p:spPr>
-          <p:style>
-            <a:lnRef idx="2">
-              <a:schemeClr val="accent1">
-                <a:shade val="50000"/>
-              </a:schemeClr>
-            </a:lnRef>
-            <a:fillRef idx="1">
-              <a:schemeClr val="accent1"/>
-            </a:fillRef>
-            <a:effectRef idx="0">
-              <a:schemeClr val="accent1"/>
-            </a:effectRef>
-            <a:fontRef idx="minor">
-              <a:schemeClr val="lt1"/>
-            </a:fontRef>
-          </p:style>
-          <p:txBody>
-            <a:bodyPr rtlCol="0" anchor="ctr"/>
-            <a:lstStyle/>
-            <a:p>
-              <a:pPr lvl="0"/>
-              <a:r>
-                <a:rPr lang="ru-RU" sz="1800" b="0" dirty="0">
-                  <a:latin typeface="Times New Roman" panose="02020603050405020304" pitchFamily="18" charset="0"/>
-                  <a:cs typeface="Times New Roman" panose="02020603050405020304" pitchFamily="18" charset="0"/>
-                </a:rPr>
-                <a:t>Научиться/закрепить навыки по написанию скриптов </a:t>
-              </a:r>
-              <a:r>
-                <a:rPr lang="en-US" sz="1800" b="0" dirty="0">
-                  <a:latin typeface="Times New Roman" panose="02020603050405020304" pitchFamily="18" charset="0"/>
-                  <a:cs typeface="Times New Roman" panose="02020603050405020304" pitchFamily="18" charset="0"/>
-                </a:rPr>
-                <a:t>python</a:t>
-              </a:r>
-              <a:endParaRPr lang="ru-RU" sz="1800" b="0" dirty="0">
-                <a:latin typeface="Times New Roman" panose="02020603050405020304" pitchFamily="18" charset="0"/>
-                <a:cs typeface="Times New Roman" panose="02020603050405020304" pitchFamily="18" charset="0"/>
-              </a:endParaRPr>
-            </a:p>
-          </p:txBody>
-        </p:sp>
-        <p:sp>
-          <p:nvSpPr>
-            <p:cNvPr id="17" name="Прямоугольник 16">
-              <a:extLst>
-                <a:ext uri="{FF2B5EF4-FFF2-40B4-BE49-F238E27FC236}">
-                  <a16:creationId xmlns:a16="http://schemas.microsoft.com/office/drawing/2014/main" id="{750124EB-0C1A-4E1D-B9F3-E40AFC4EB38B}"/>
-                </a:ext>
-              </a:extLst>
-            </p:cNvPr>
-            <p:cNvSpPr/>
-            <p:nvPr/>
-          </p:nvSpPr>
-          <p:spPr>
-            <a:xfrm>
-              <a:off x="7929606" y="243680"/>
-              <a:ext cx="3571661" cy="856057"/>
-            </a:xfrm>
-            <a:prstGeom prst="rect">
-              <a:avLst/>
-            </a:prstGeom>
-          </p:spPr>
-          <p:txBody>
-            <a:bodyPr wrap="square">
-              <a:spAutoFit/>
-            </a:bodyPr>
-            <a:lstStyle/>
-            <a:p>
-              <a:r>
-                <a:rPr lang="ru-RU" sz="1500" b="1" dirty="0">
-                  <a:solidFill>
-                    <a:schemeClr val="accent1"/>
-                  </a:solidFill>
-                  <a:latin typeface="GPN_DIN Condensed" panose="020B0506020202020204" pitchFamily="34" charset="-52"/>
-                </a:rPr>
-                <a:t>Выводы</a:t>
-              </a:r>
-            </a:p>
-          </p:txBody>
-        </p:sp>
-      </p:grpSp>
+          <a:prstGeom prst="rect">
+            <a:avLst/>
+          </a:prstGeom>
+        </p:spPr>
+        <p:txBody>
+          <a:bodyPr wrap="square">
+            <a:spAutoFit/>
+          </a:bodyPr>
+          <a:lstStyle/>
+          <a:p>
+            <a:r>
+              <a:rPr lang="ru-RU" sz="1500" b="1" dirty="0">
+                <a:solidFill>
+                  <a:schemeClr val="accent1"/>
+                </a:solidFill>
+                <a:latin typeface="GPN_DIN Condensed" panose="020B0506020202020204" pitchFamily="34" charset="-52"/>
+              </a:rPr>
+              <a:t>Выводы</a:t>
+            </a:r>
+          </a:p>
+        </p:txBody>
+      </p:sp>
       <p:pic>
         <p:nvPicPr>
           <p:cNvPr id="6" name="Picture 2">
@@ -7923,8 +7784,8 @@
         </p:nvSpPr>
         <p:spPr>
           <a:xfrm>
-            <a:off x="368583" y="3429001"/>
-            <a:ext cx="11428294" cy="3249968"/>
+            <a:off x="368583" y="3548337"/>
+            <a:ext cx="11401754" cy="2808013"/>
           </a:xfrm>
           <a:prstGeom prst="rect">
             <a:avLst/>
@@ -7980,10 +7841,39 @@
       </p:sp>
       <p:sp>
         <p:nvSpPr>
-          <p:cNvPr id="41" name="TextBox 40">
-            <a:extLst>
-              <a:ext uri="{FF2B5EF4-FFF2-40B4-BE49-F238E27FC236}">
-                <a16:creationId xmlns:a16="http://schemas.microsoft.com/office/drawing/2014/main" id="{62233B02-1D57-3B6C-DEEA-146A89CEFC7C}"/>
+          <p:cNvPr id="3" name="Номер слайда 2">
+            <a:extLst>
+              <a:ext uri="{FF2B5EF4-FFF2-40B4-BE49-F238E27FC236}">
+                <a16:creationId xmlns:a16="http://schemas.microsoft.com/office/drawing/2014/main" id="{8BDAB24E-18D0-D05E-0A3A-F49F57E7A01C}"/>
+              </a:ext>
+            </a:extLst>
+          </p:cNvPr>
+          <p:cNvSpPr>
+            <a:spLocks noGrp="1"/>
+          </p:cNvSpPr>
+          <p:nvPr>
+            <p:ph type="sldNum" sz="quarter" idx="12"/>
+          </p:nvPr>
+        </p:nvSpPr>
+        <p:spPr/>
+        <p:txBody>
+          <a:bodyPr/>
+          <a:lstStyle/>
+          <a:p>
+            <a:fld id="{19383431-F09E-4515-A32B-AF346B6F78E1}" type="slidenum">
+              <a:rPr lang="ru-RU" smtClean="0"/>
+              <a:t>12</a:t>
+            </a:fld>
+            <a:endParaRPr lang="ru-RU"/>
+          </a:p>
+        </p:txBody>
+      </p:sp>
+      <p:sp>
+        <p:nvSpPr>
+          <p:cNvPr id="4" name="TextBox 3">
+            <a:extLst>
+              <a:ext uri="{FF2B5EF4-FFF2-40B4-BE49-F238E27FC236}">
+                <a16:creationId xmlns:a16="http://schemas.microsoft.com/office/drawing/2014/main" id="{552BA234-66D8-E3BC-B696-D429136DB1F5}"/>
               </a:ext>
             </a:extLst>
           </p:cNvPr>
@@ -7992,8 +7882,8 @@
         </p:nvSpPr>
         <p:spPr>
           <a:xfrm>
-            <a:off x="1543679" y="6237370"/>
-            <a:ext cx="2689549" cy="340734"/>
+            <a:off x="1348994" y="1536482"/>
+            <a:ext cx="9195434" cy="1861792"/>
           </a:xfrm>
           <a:prstGeom prst="rect">
             <a:avLst/>
@@ -8006,50 +7896,222 @@
           </a:bodyPr>
           <a:lstStyle/>
           <a:p>
-            <a:pPr lvl="0">
+            <a:pPr marL="342900" indent="-342900" algn="ctr">
               <a:lnSpc>
                 <a:spcPct val="150000"/>
               </a:lnSpc>
+              <a:buFont typeface="+mj-lt"/>
+              <a:buAutoNum type="arabicPeriod"/>
             </a:pPr>
             <a:r>
-              <a:rPr lang="ru-RU" sz="1200" dirty="0">
+              <a:rPr lang="ru-RU" sz="1300" dirty="0">
                 <a:solidFill>
                   <a:schemeClr val="tx2"/>
                 </a:solidFill>
                 <a:latin typeface="GPN_DIN Condensed" panose="020B0506020202020204" pitchFamily="34" charset="-52"/>
               </a:rPr>
-              <a:t>Тренировочный прогноз</a:t>
-            </a:r>
-            <a:endParaRPr lang="en-US" sz="1200" dirty="0">
+              <a:t>Был проведен анализ исходного </a:t>
+            </a:r>
+            <a:r>
+              <a:rPr lang="ru-RU" sz="1300" dirty="0" err="1">
+                <a:solidFill>
+                  <a:schemeClr val="tx2"/>
+                </a:solidFill>
+                <a:latin typeface="GPN_DIN Condensed" panose="020B0506020202020204" pitchFamily="34" charset="-52"/>
+              </a:rPr>
+              <a:t>датасета</a:t>
+            </a:r>
+            <a:endParaRPr lang="ru-RU" sz="1300" dirty="0">
               <a:solidFill>
                 <a:schemeClr val="tx2"/>
               </a:solidFill>
               <a:latin typeface="GPN_DIN Condensed" panose="020B0506020202020204" pitchFamily="34" charset="-52"/>
             </a:endParaRPr>
           </a:p>
+          <a:p>
+            <a:pPr marL="342900" indent="-342900" algn="ctr">
+              <a:lnSpc>
+                <a:spcPct val="150000"/>
+              </a:lnSpc>
+              <a:buFont typeface="+mj-lt"/>
+              <a:buAutoNum type="arabicPeriod"/>
+            </a:pPr>
+            <a:r>
+              <a:rPr lang="ru-RU" sz="1300" dirty="0">
+                <a:solidFill>
+                  <a:schemeClr val="tx2"/>
+                </a:solidFill>
+                <a:latin typeface="GPN_DIN Condensed" panose="020B0506020202020204" pitchFamily="34" charset="-52"/>
+              </a:rPr>
+              <a:t>Подготовлены исходные данные</a:t>
+            </a:r>
+          </a:p>
+          <a:p>
+            <a:pPr marL="342900" indent="-342900" algn="ctr">
+              <a:lnSpc>
+                <a:spcPct val="150000"/>
+              </a:lnSpc>
+              <a:buFont typeface="+mj-lt"/>
+              <a:buAutoNum type="arabicPeriod"/>
+            </a:pPr>
+            <a:r>
+              <a:rPr lang="ru-RU" sz="1300" dirty="0">
+                <a:solidFill>
+                  <a:schemeClr val="tx2"/>
+                </a:solidFill>
+                <a:latin typeface="GPN_DIN Condensed" panose="020B0506020202020204" pitchFamily="34" charset="-52"/>
+              </a:rPr>
+              <a:t>Проведено моделирование моделей линейной регрессии, Лассо и </a:t>
+            </a:r>
+            <a:r>
+              <a:rPr lang="en-US" sz="1300" dirty="0">
+                <a:solidFill>
+                  <a:schemeClr val="tx2"/>
+                </a:solidFill>
+                <a:latin typeface="GPN_DIN Condensed" panose="020B0506020202020204" pitchFamily="34" charset="-52"/>
+              </a:rPr>
+              <a:t>Ridge</a:t>
+            </a:r>
+            <a:endParaRPr lang="ru-RU" sz="1300" dirty="0">
+              <a:solidFill>
+                <a:schemeClr val="tx2"/>
+              </a:solidFill>
+              <a:latin typeface="GPN_DIN Condensed" panose="020B0506020202020204" pitchFamily="34" charset="-52"/>
+            </a:endParaRPr>
+          </a:p>
+          <a:p>
+            <a:pPr marL="342900" indent="-342900" algn="ctr">
+              <a:lnSpc>
+                <a:spcPct val="150000"/>
+              </a:lnSpc>
+              <a:buFont typeface="+mj-lt"/>
+              <a:buAutoNum type="arabicPeriod"/>
+            </a:pPr>
+            <a:r>
+              <a:rPr lang="ru-RU" sz="1300" dirty="0">
+                <a:solidFill>
+                  <a:schemeClr val="tx2"/>
+                </a:solidFill>
+                <a:latin typeface="GPN_DIN Condensed" panose="020B0506020202020204" pitchFamily="34" charset="-52"/>
+              </a:rPr>
+              <a:t>Проведено моделирование </a:t>
+            </a:r>
+            <a:r>
+              <a:rPr lang="en-US" sz="1300" dirty="0">
+                <a:solidFill>
+                  <a:schemeClr val="tx2"/>
+                </a:solidFill>
+                <a:latin typeface="GPN_DIN Condensed" panose="020B0506020202020204" pitchFamily="34" charset="-52"/>
+              </a:rPr>
+              <a:t>Random Forest </a:t>
+            </a:r>
+            <a:r>
+              <a:rPr lang="ru-RU" sz="1300" dirty="0">
+                <a:solidFill>
+                  <a:schemeClr val="tx2"/>
+                </a:solidFill>
+                <a:latin typeface="GPN_DIN Condensed" panose="020B0506020202020204" pitchFamily="34" charset="-52"/>
+              </a:rPr>
+              <a:t>и </a:t>
+            </a:r>
+            <a:r>
+              <a:rPr lang="en-US" sz="1300" dirty="0">
+                <a:solidFill>
+                  <a:schemeClr val="tx2"/>
+                </a:solidFill>
+                <a:latin typeface="GPN_DIN Condensed" panose="020B0506020202020204" pitchFamily="34" charset="-52"/>
+              </a:rPr>
+              <a:t>Gradient Boosting</a:t>
+            </a:r>
+          </a:p>
+          <a:p>
+            <a:pPr marL="342900" indent="-342900" algn="ctr">
+              <a:lnSpc>
+                <a:spcPct val="150000"/>
+              </a:lnSpc>
+              <a:buFont typeface="+mj-lt"/>
+              <a:buAutoNum type="arabicPeriod"/>
+            </a:pPr>
+            <a:r>
+              <a:rPr lang="ru-RU" sz="1300" dirty="0">
+                <a:solidFill>
+                  <a:schemeClr val="tx2"/>
+                </a:solidFill>
+                <a:latin typeface="GPN_DIN Condensed" panose="020B0506020202020204" pitchFamily="34" charset="-52"/>
+              </a:rPr>
+              <a:t>Выбрана модель с лучшей предсказательной способностью</a:t>
+            </a:r>
+          </a:p>
+          <a:p>
+            <a:pPr marL="342900" indent="-342900" algn="ctr">
+              <a:lnSpc>
+                <a:spcPct val="150000"/>
+              </a:lnSpc>
+              <a:buFont typeface="+mj-lt"/>
+              <a:buAutoNum type="arabicPeriod"/>
+            </a:pPr>
+            <a:r>
+              <a:rPr lang="ru-RU" sz="1300" dirty="0">
+                <a:solidFill>
+                  <a:schemeClr val="tx2"/>
+                </a:solidFill>
+                <a:latin typeface="GPN_DIN Condensed" panose="020B0506020202020204" pitchFamily="34" charset="-52"/>
+              </a:rPr>
+              <a:t>Реализовано веб-приложение</a:t>
+            </a:r>
+          </a:p>
         </p:txBody>
       </p:sp>
+      <p:pic>
+        <p:nvPicPr>
+          <p:cNvPr id="7" name="Рисунок 6" descr="Изображение выглядит как текст, снимок экрана, Шрифт, число&#10;&#10;Автоматически созданное описание">
+            <a:extLst>
+              <a:ext uri="{FF2B5EF4-FFF2-40B4-BE49-F238E27FC236}">
+                <a16:creationId xmlns:a16="http://schemas.microsoft.com/office/drawing/2014/main" id="{5DD35750-170C-309F-F19E-E590FBDEEC84}"/>
+              </a:ext>
+            </a:extLst>
+          </p:cNvPr>
+          <p:cNvPicPr>
+            <a:picLocks noChangeAspect="1"/>
+          </p:cNvPicPr>
+          <p:nvPr/>
+        </p:nvPicPr>
+        <p:blipFill>
+          <a:blip r:embed="rId3"/>
+          <a:stretch>
+            <a:fillRect/>
+          </a:stretch>
+        </p:blipFill>
+        <p:spPr>
+          <a:xfrm>
+            <a:off x="2976498" y="4088130"/>
+            <a:ext cx="5940425" cy="2268220"/>
+          </a:xfrm>
+          <a:prstGeom prst="rect">
+            <a:avLst/>
+          </a:prstGeom>
+        </p:spPr>
+      </p:pic>
       <p:sp>
         <p:nvSpPr>
-          <p:cNvPr id="42" name="TextBox 41">
-            <a:extLst>
-              <a:ext uri="{FF2B5EF4-FFF2-40B4-BE49-F238E27FC236}">
-                <a16:creationId xmlns:a16="http://schemas.microsoft.com/office/drawing/2014/main" id="{763A91B7-5D0F-EF2F-0A1A-5F469ABCD738}"/>
-              </a:ext>
-            </a:extLst>
-          </p:cNvPr>
-          <p:cNvSpPr txBox="1"/>
+          <p:cNvPr id="11" name="Прямоугольник 10">
+            <a:extLst>
+              <a:ext uri="{FF2B5EF4-FFF2-40B4-BE49-F238E27FC236}">
+                <a16:creationId xmlns:a16="http://schemas.microsoft.com/office/drawing/2014/main" id="{DF01B2EF-7874-3499-2C67-C8AEC65A8633}"/>
+              </a:ext>
+            </a:extLst>
+          </p:cNvPr>
+          <p:cNvSpPr/>
           <p:nvPr/>
         </p:nvSpPr>
         <p:spPr>
           <a:xfrm>
-            <a:off x="5624573" y="6202126"/>
-            <a:ext cx="1437378" cy="340734"/>
+            <a:off x="760526" y="3650884"/>
+            <a:ext cx="5790555" cy="323165"/>
           </a:xfrm>
           <a:prstGeom prst="rect">
             <a:avLst/>
           </a:prstGeom>
-          <a:noFill/>
         </p:spPr>
         <p:txBody>
           <a:bodyPr wrap="square">
@@ -8057,55 +8119,15 @@
           </a:bodyPr>
           <a:lstStyle/>
           <a:p>
-            <a:pPr lvl="0">
-              <a:lnSpc>
-                <a:spcPct val="150000"/>
-              </a:lnSpc>
-            </a:pPr>
-            <a:r>
-              <a:rPr lang="ru-RU" sz="1200" dirty="0">
-                <a:solidFill>
-                  <a:schemeClr val="tx2"/>
+            <a:r>
+              <a:rPr lang="ru-RU" sz="1500" b="1" dirty="0">
+                <a:solidFill>
+                  <a:schemeClr val="accent1"/>
                 </a:solidFill>
                 <a:latin typeface="GPN_DIN Condensed" panose="020B0506020202020204" pitchFamily="34" charset="-52"/>
               </a:rPr>
-              <a:t>Тестовый прогноз</a:t>
-            </a:r>
-            <a:endParaRPr lang="en-US" sz="1200" dirty="0">
-              <a:solidFill>
-                <a:schemeClr val="tx2"/>
-              </a:solidFill>
-              <a:latin typeface="GPN_DIN Condensed" panose="020B0506020202020204" pitchFamily="34" charset="-52"/>
-            </a:endParaRPr>
-          </a:p>
-        </p:txBody>
-      </p:sp>
-      <p:sp>
-        <p:nvSpPr>
-          <p:cNvPr id="3" name="Номер слайда 2">
-            <a:extLst>
-              <a:ext uri="{FF2B5EF4-FFF2-40B4-BE49-F238E27FC236}">
-                <a16:creationId xmlns:a16="http://schemas.microsoft.com/office/drawing/2014/main" id="{8BDAB24E-18D0-D05E-0A3A-F49F57E7A01C}"/>
-              </a:ext>
-            </a:extLst>
-          </p:cNvPr>
-          <p:cNvSpPr>
-            <a:spLocks noGrp="1"/>
-          </p:cNvSpPr>
-          <p:nvPr>
-            <p:ph type="sldNum" sz="quarter" idx="12"/>
-          </p:nvPr>
-        </p:nvSpPr>
-        <p:spPr/>
-        <p:txBody>
-          <a:bodyPr/>
-          <a:lstStyle/>
-          <a:p>
-            <a:fld id="{19383431-F09E-4515-A32B-AF346B6F78E1}" type="slidenum">
-              <a:rPr lang="ru-RU" smtClean="0"/>
-              <a:t>12</a:t>
-            </a:fld>
-            <a:endParaRPr lang="ru-RU"/>
+              <a:t>Результаты метрик моделей Машинного Обучения</a:t>
+            </a:r>
           </a:p>
         </p:txBody>
       </p:sp>
@@ -8151,8 +8173,8 @@
         </p:nvSpPr>
         <p:spPr>
           <a:xfrm>
-            <a:off x="4550251" y="2035223"/>
-            <a:ext cx="3091497" cy="1325563"/>
+            <a:off x="3164644" y="1941917"/>
+            <a:ext cx="5862712" cy="1325563"/>
           </a:xfrm>
         </p:spPr>
         <p:txBody>
@@ -8163,7 +8185,7 @@
           <a:p>
             <a:pPr defTabSz="685800"/>
             <a:r>
-              <a:rPr lang="ru-RU" sz="2200" dirty="0">
+              <a:rPr lang="ru-RU" sz="4000" dirty="0">
                 <a:latin typeface="Arial Narrow" panose="020B0606020202030204" pitchFamily="34" charset="0"/>
               </a:rPr>
               <a:t>СПАСИБО ЗА ВНИМАНИЕ!</a:t>
@@ -8250,146 +8272,6 @@
     <p:extLst>
       <p:ext uri="{BB962C8B-B14F-4D97-AF65-F5344CB8AC3E}">
         <p14:creationId xmlns:p14="http://schemas.microsoft.com/office/powerpoint/2010/main" val="3866017958"/>
-      </p:ext>
-    </p:extLst>
-  </p:cSld>
-  <p:clrMapOvr>
-    <a:masterClrMapping/>
-  </p:clrMapOvr>
-</p:sld>
-</file>
-
-<file path=ppt/slides/slide14.xml><?xml version="1.0" encoding="utf-8"?>
-<p:sld xmlns:a="http://schemas.openxmlformats.org/drawingml/2006/main" xmlns:r="http://schemas.openxmlformats.org/officeDocument/2006/relationships" xmlns:p="http://schemas.openxmlformats.org/presentationml/2006/main">
-  <p:cSld>
-    <p:spTree>
-      <p:nvGrpSpPr>
-        <p:cNvPr id="1" name=""/>
-        <p:cNvGrpSpPr/>
-        <p:nvPr/>
-      </p:nvGrpSpPr>
-      <p:grpSpPr>
-        <a:xfrm>
-          <a:off x="0" y="0"/>
-          <a:ext cx="0" cy="0"/>
-          <a:chOff x="0" y="0"/>
-          <a:chExt cx="0" cy="0"/>
-        </a:xfrm>
-      </p:grpSpPr>
-      <p:sp>
-        <p:nvSpPr>
-          <p:cNvPr id="2" name="Заголовок 1"/>
-          <p:cNvSpPr>
-            <a:spLocks noGrp="1"/>
-          </p:cNvSpPr>
-          <p:nvPr>
-            <p:ph type="title"/>
-          </p:nvPr>
-        </p:nvSpPr>
-        <p:spPr>
-          <a:xfrm>
-            <a:off x="688911" y="-530307"/>
-            <a:ext cx="10515600" cy="1325563"/>
-          </a:xfrm>
-        </p:spPr>
-        <p:txBody>
-          <a:bodyPr vert="horz" lIns="0" tIns="0" rIns="0" bIns="0" rtlCol="0" anchor="b" anchorCtr="0">
-            <a:noAutofit/>
-          </a:bodyPr>
-          <a:lstStyle/>
-          <a:p>
-            <a:pPr defTabSz="685800"/>
-            <a:r>
-              <a:rPr lang="en-US" sz="2200" dirty="0">
-                <a:latin typeface="Arial Narrow" panose="020B0606020202030204" pitchFamily="34" charset="0"/>
-              </a:rPr>
-              <a:t>BACK UP SLIDES</a:t>
-            </a:r>
-            <a:endParaRPr lang="ru-RU" sz="2200" dirty="0">
-              <a:latin typeface="Arial Narrow" panose="020B0606020202030204" pitchFamily="34" charset="0"/>
-            </a:endParaRPr>
-          </a:p>
-        </p:txBody>
-      </p:sp>
-      <p:pic>
-        <p:nvPicPr>
-          <p:cNvPr id="6" name="Picture 2">
-            <a:extLst>
-              <a:ext uri="{FF2B5EF4-FFF2-40B4-BE49-F238E27FC236}">
-                <a16:creationId xmlns:a16="http://schemas.microsoft.com/office/drawing/2014/main" id="{0DC08747-C71F-20CE-0E69-E88CB7896759}"/>
-              </a:ext>
-            </a:extLst>
-          </p:cNvPr>
-          <p:cNvPicPr>
-            <a:picLocks noChangeAspect="1" noChangeArrowheads="1"/>
-          </p:cNvPicPr>
-          <p:nvPr/>
-        </p:nvPicPr>
-        <p:blipFill>
-          <a:blip r:embed="rId2">
-            <a:extLst>
-              <a:ext uri="{28A0092B-C50C-407E-A947-70E740481C1C}">
-                <a14:useLocalDpi xmlns:a14="http://schemas.microsoft.com/office/drawing/2010/main" val="0"/>
-              </a:ext>
-            </a:extLst>
-          </a:blip>
-          <a:stretch>
-            <a:fillRect/>
-          </a:stretch>
-        </p:blipFill>
-        <p:spPr bwMode="auto">
-          <a:xfrm>
-            <a:off x="9723961" y="470404"/>
-            <a:ext cx="1815707" cy="407453"/>
-          </a:xfrm>
-          <a:prstGeom prst="rect">
-            <a:avLst/>
-          </a:prstGeom>
-          <a:noFill/>
-          <a:extLst>
-            <a:ext uri="{909E8E84-426E-40DD-AFC4-6F175D3DCCD1}">
-              <a14:hiddenFill xmlns:a14="http://schemas.microsoft.com/office/drawing/2010/main">
-                <a:solidFill>
-                  <a:srgbClr val="FFFFFF"/>
-                </a:solidFill>
-              </a14:hiddenFill>
-            </a:ext>
-          </a:extLst>
-        </p:spPr>
-      </p:pic>
-      <p:sp>
-        <p:nvSpPr>
-          <p:cNvPr id="3" name="Номер слайда 2">
-            <a:extLst>
-              <a:ext uri="{FF2B5EF4-FFF2-40B4-BE49-F238E27FC236}">
-                <a16:creationId xmlns:a16="http://schemas.microsoft.com/office/drawing/2014/main" id="{4421CCDD-0D9C-85DE-2722-FA650F171983}"/>
-              </a:ext>
-            </a:extLst>
-          </p:cNvPr>
-          <p:cNvSpPr>
-            <a:spLocks noGrp="1"/>
-          </p:cNvSpPr>
-          <p:nvPr>
-            <p:ph type="sldNum" sz="quarter" idx="12"/>
-          </p:nvPr>
-        </p:nvSpPr>
-        <p:spPr/>
-        <p:txBody>
-          <a:bodyPr/>
-          <a:lstStyle/>
-          <a:p>
-            <a:fld id="{19383431-F09E-4515-A32B-AF346B6F78E1}" type="slidenum">
-              <a:rPr lang="ru-RU" smtClean="0"/>
-              <a:t>14</a:t>
-            </a:fld>
-            <a:endParaRPr lang="ru-RU"/>
-          </a:p>
-        </p:txBody>
-      </p:sp>
-    </p:spTree>
-    <p:extLst>
-      <p:ext uri="{BB962C8B-B14F-4D97-AF65-F5344CB8AC3E}">
-        <p14:creationId xmlns:p14="http://schemas.microsoft.com/office/powerpoint/2010/main" val="1912296837"/>
       </p:ext>
     </p:extLst>
   </p:cSld>
@@ -10268,7 +10150,7 @@
         </p:nvSpPr>
         <p:spPr>
           <a:xfrm>
-            <a:off x="2358931" y="4994186"/>
+            <a:off x="2358931" y="4893419"/>
             <a:ext cx="3441453" cy="1862048"/>
           </a:xfrm>
           <a:prstGeom prst="rect">
@@ -10497,7 +10379,25 @@
                 </a:solidFill>
                 <a:latin typeface="GPN_DIN Condensed" panose="020B0506020202020204" pitchFamily="34" charset="-52"/>
               </a:rPr>
-              <a:t>Реализация методов Линейной Регрессии, Лассо, </a:t>
+              <a:t>Реализация методов Линейной Регрессии, Лассо,</a:t>
+            </a:r>
+            <a:r>
+              <a:rPr lang="en-US" sz="1300" dirty="0">
+                <a:solidFill>
+                  <a:schemeClr val="tx2"/>
+                </a:solidFill>
+                <a:latin typeface="GPN_DIN Condensed" panose="020B0506020202020204" pitchFamily="34" charset="-52"/>
+              </a:rPr>
+              <a:t> Ridge,</a:t>
+            </a:r>
+            <a:r>
+              <a:rPr lang="ru-RU" sz="1300" dirty="0">
+                <a:solidFill>
+                  <a:schemeClr val="tx2"/>
+                </a:solidFill>
+                <a:latin typeface="GPN_DIN Condensed" panose="020B0506020202020204" pitchFamily="34" charset="-52"/>
+              </a:rPr>
+              <a:t> </a:t>
             </a:r>
             <a:r>
               <a:rPr lang="ru-RU" sz="1300" dirty="0" err="1">
@@ -10621,7 +10521,23 @@
                   <a:schemeClr val="tx2"/>
                 </a:solidFill>
               </a:rPr>
-              <a:t>MAE, R2</a:t>
+              <a:t>MAE,</a:t>
+            </a:r>
+            <a:r>
+              <a:rPr lang="ru-RU" sz="1300" dirty="0">
+                <a:solidFill>
+                  <a:schemeClr val="tx2"/>
+                </a:solidFill>
+              </a:rPr>
+              <a:t> </a:t>
+            </a:r>
+            <a:r>
+              <a:rPr lang="en-US" sz="1300" dirty="0">
+                <a:solidFill>
+                  <a:schemeClr val="tx2"/>
+                </a:solidFill>
+              </a:rPr>
+              <a:t>MSE, RMSE, R2</a:t>
             </a:r>
             <a:endParaRPr lang="en-US" sz="1300" dirty="0">
               <a:solidFill>
@@ -11401,7 +11317,7 @@
         </p:nvSpPr>
         <p:spPr>
           <a:xfrm>
-            <a:off x="9367990" y="1067251"/>
+            <a:off x="8942741" y="1084755"/>
             <a:ext cx="1811906" cy="323165"/>
           </a:xfrm>
           <a:prstGeom prst="rect">
@@ -11428,42 +11344,6 @@
           </a:p>
         </p:txBody>
       </p:sp>
-      <p:pic>
-        <p:nvPicPr>
-          <p:cNvPr id="14" name="Рисунок 13" descr="Изображение выглядит как текст, визитка, коллекция картинок&#10;&#10;Автоматически созданное описание">
-            <a:extLst>
-              <a:ext uri="{FF2B5EF4-FFF2-40B4-BE49-F238E27FC236}">
-                <a16:creationId xmlns:a16="http://schemas.microsoft.com/office/drawing/2014/main" id="{54A10D49-CEB2-F2E9-F4C9-C39427E2237C}"/>
-              </a:ext>
-            </a:extLst>
-          </p:cNvPr>
-          <p:cNvPicPr>
-            <a:picLocks noChangeAspect="1"/>
-          </p:cNvPicPr>
-          <p:nvPr/>
-        </p:nvPicPr>
-        <p:blipFill>
-          <a:blip r:embed="rId2" cstate="print">
-            <a:extLst>
-              <a:ext uri="{28A0092B-C50C-407E-A947-70E740481C1C}">
-                <a14:useLocalDpi xmlns:a14="http://schemas.microsoft.com/office/drawing/2010/main" val="0"/>
-              </a:ext>
-            </a:extLst>
-          </a:blip>
-          <a:stretch>
-            <a:fillRect/>
-          </a:stretch>
-        </p:blipFill>
-        <p:spPr>
-          <a:xfrm>
-            <a:off x="8859439" y="1004846"/>
-            <a:ext cx="493377" cy="493377"/>
-          </a:xfrm>
-          <a:prstGeom prst="rect">
-            <a:avLst/>
-          </a:prstGeom>
-        </p:spPr>
-      </p:pic>
       <p:sp>
         <p:nvSpPr>
           <p:cNvPr id="13" name="TextBox 12">
@@ -11625,53 +11505,6 @@
           </a:p>
         </p:txBody>
       </p:sp>
-      <p:pic>
-        <p:nvPicPr>
-          <p:cNvPr id="1026" name="Picture 2">
-            <a:extLst>
-              <a:ext uri="{FF2B5EF4-FFF2-40B4-BE49-F238E27FC236}">
-                <a16:creationId xmlns:a16="http://schemas.microsoft.com/office/drawing/2014/main" id="{2EE2B356-6577-4218-7648-EE6059AD10A2}"/>
-              </a:ext>
-            </a:extLst>
-          </p:cNvPr>
-          <p:cNvPicPr>
-            <a:picLocks noChangeAspect="1" noChangeArrowheads="1"/>
-          </p:cNvPicPr>
-          <p:nvPr/>
-        </p:nvPicPr>
-        <p:blipFill>
-          <a:blip r:embed="rId3" cstate="print">
-            <a:extLst>
-              <a:ext uri="{28A0092B-C50C-407E-A947-70E740481C1C}">
-                <a14:useLocalDpi xmlns:a14="http://schemas.microsoft.com/office/drawing/2010/main" val="0"/>
-              </a:ext>
-            </a:extLst>
-          </a:blip>
-          <a:srcRect/>
-          <a:stretch>
-            <a:fillRect/>
-          </a:stretch>
-        </p:blipFill>
-        <p:spPr bwMode="auto">
-          <a:xfrm>
-            <a:off x="6639121" y="3447682"/>
-            <a:ext cx="516599" cy="516599"/>
-          </a:xfrm>
-          <a:prstGeom prst="rect">
-            <a:avLst/>
-          </a:prstGeom>
-          <a:noFill/>
-          <a:extLst>
-            <a:ext uri="{909E8E84-426E-40DD-AFC4-6F175D3DCCD1}">
-              <a14:hiddenFill xmlns:a14="http://schemas.microsoft.com/office/drawing/2010/main">
-                <a:solidFill>
-                  <a:srgbClr val="FFFFFF"/>
-                </a:solidFill>
-              </a14:hiddenFill>
-            </a:ext>
-          </a:extLst>
-        </p:spPr>
-      </p:pic>
       <p:sp>
         <p:nvSpPr>
           <p:cNvPr id="3" name="Заголовок 1">
@@ -11806,7 +11639,7 @@
           <p:nvPr/>
         </p:nvPicPr>
         <p:blipFill>
-          <a:blip r:embed="rId4"/>
+          <a:blip r:embed="rId2"/>
           <a:stretch>
             <a:fillRect/>
           </a:stretch>
@@ -11836,7 +11669,7 @@
           <p:nvPr/>
         </p:nvPicPr>
         <p:blipFill>
-          <a:blip r:embed="rId5"/>
+          <a:blip r:embed="rId3"/>
           <a:stretch>
             <a:fillRect/>
           </a:stretch>
@@ -12064,7 +11897,7 @@
           <p:nvPr/>
         </p:nvPicPr>
         <p:blipFill>
-          <a:blip r:embed="rId6">
+          <a:blip r:embed="rId4">
             <a:extLst>
               <a:ext uri="{28A0092B-C50C-407E-A947-70E740481C1C}">
                 <a14:useLocalDpi xmlns:a14="http://schemas.microsoft.com/office/drawing/2010/main" val="0"/>
@@ -13152,8 +12985,8 @@
         </p:nvGrpSpPr>
         <p:grpSpPr>
           <a:xfrm>
-            <a:off x="395124" y="1109118"/>
-            <a:ext cx="5313801" cy="2058842"/>
+            <a:off x="395124" y="1175042"/>
+            <a:ext cx="5313801" cy="1992917"/>
             <a:chOff x="400412" y="1990180"/>
             <a:chExt cx="3649578" cy="1177166"/>
           </a:xfrm>
@@ -13942,8 +13775,8 @@
         </p:nvSpPr>
         <p:spPr>
           <a:xfrm>
-            <a:off x="56132" y="1533939"/>
-            <a:ext cx="5673440" cy="661463"/>
+            <a:off x="532488" y="1533939"/>
+            <a:ext cx="5092085" cy="961545"/>
           </a:xfrm>
           <a:prstGeom prst="rect">
             <a:avLst/>
@@ -13956,79 +13789,20 @@
           </a:bodyPr>
           <a:lstStyle/>
           <a:p>
-            <a:pPr marL="342900" indent="-342900" algn="ctr">
+            <a:pPr algn="just">
               <a:lnSpc>
                 <a:spcPct val="150000"/>
               </a:lnSpc>
-              <a:buFont typeface="+mj-lt"/>
-              <a:buAutoNum type="arabicPeriod"/>
             </a:pPr>
             <a:r>
               <a:rPr lang="ru-RU" sz="1300" dirty="0">
                 <a:solidFill>
                   <a:schemeClr val="tx2"/>
                 </a:solidFill>
-                <a:latin typeface="GPN_DIN Condensed" panose="020B0506020202020204" pitchFamily="34" charset="-52"/>
-              </a:rPr>
-              <a:t>Обучение модели с помощью модели </a:t>
-            </a:r>
-            <a:r>
-              <a:rPr lang="en-US" sz="1300" dirty="0" err="1">
-                <a:solidFill>
-                  <a:schemeClr val="tx2"/>
-                </a:solidFill>
-                <a:latin typeface="GPN_DIN Condensed" panose="020B0506020202020204" pitchFamily="34" charset="-52"/>
-              </a:rPr>
-              <a:t>LinearRegression</a:t>
-            </a:r>
-            <a:r>
-              <a:rPr lang="en-US" sz="1300" dirty="0">
-                <a:solidFill>
-                  <a:schemeClr val="tx2"/>
-                </a:solidFill>
-                <a:latin typeface="GPN_DIN Condensed" panose="020B0506020202020204" pitchFamily="34" charset="-52"/>
-              </a:rPr>
-              <a:t>()</a:t>
-            </a:r>
-            <a:endParaRPr lang="ru-RU" sz="1300" dirty="0">
-              <a:solidFill>
-                <a:schemeClr val="tx2"/>
-              </a:solidFill>
-              <a:latin typeface="GPN_DIN Condensed" panose="020B0506020202020204" pitchFamily="34" charset="-52"/>
-            </a:endParaRPr>
-          </a:p>
-          <a:p>
-            <a:pPr marL="342900" indent="-342900" algn="ctr">
-              <a:lnSpc>
-                <a:spcPct val="150000"/>
-              </a:lnSpc>
-              <a:buFont typeface="+mj-lt"/>
-              <a:buAutoNum type="arabicPeriod"/>
-            </a:pPr>
-            <a:r>
-              <a:rPr lang="ru-RU" sz="1300" dirty="0">
-                <a:solidFill>
-                  <a:schemeClr val="tx2"/>
-                </a:solidFill>
-                <a:latin typeface="GPN_DIN Condensed" panose="020B0506020202020204" pitchFamily="34" charset="-52"/>
-              </a:rPr>
-              <a:t>Использование метрик</a:t>
-            </a:r>
-            <a:r>
-              <a:rPr lang="en-US" sz="1300" dirty="0">
-                <a:solidFill>
-                  <a:schemeClr val="tx2"/>
-                </a:solidFill>
-                <a:latin typeface="GPN_DIN Condensed" panose="020B0506020202020204" pitchFamily="34" charset="-52"/>
-              </a:rPr>
-              <a:t>: MAE, MSE, RMSE, R2-Score</a:t>
-            </a:r>
-            <a:endParaRPr lang="ru-RU" sz="1300" dirty="0">
-              <a:solidFill>
-                <a:schemeClr val="tx2"/>
-              </a:solidFill>
-              <a:latin typeface="GPN_DIN Condensed" panose="020B0506020202020204" pitchFamily="34" charset="-52"/>
-            </a:endParaRPr>
+                <a:latin typeface="GPN_DIN Condensed" panose="020B0506020202020204"/>
+              </a:rPr>
+              <a:t>Метод машинного обучения, который используется для предсказания числовых значений на основе линейной зависимости между входными признаками и целевой переменной. </a:t>
+            </a:r>
           </a:p>
         </p:txBody>
       </p:sp>
@@ -14047,7 +13821,7 @@
         <p:spPr>
           <a:xfrm>
             <a:off x="5924556" y="1515992"/>
-            <a:ext cx="5798110" cy="1492716"/>
+            <a:ext cx="5798110" cy="1561710"/>
           </a:xfrm>
           <a:prstGeom prst="rect">
             <a:avLst/>
@@ -14060,7 +13834,7 @@
           </a:bodyPr>
           <a:lstStyle/>
           <a:p>
-            <a:pPr marL="342900" indent="-342900" algn="ctr">
+            <a:pPr marL="342900" indent="-342900" algn="just">
               <a:lnSpc>
                 <a:spcPct val="150000"/>
               </a:lnSpc>
@@ -14072,31 +13846,13 @@
                 <a:solidFill>
                   <a:schemeClr val="tx2"/>
                 </a:solidFill>
-                <a:latin typeface="GPN_DIN Condensed" panose="020B0506020202020204" pitchFamily="34" charset="-52"/>
-              </a:rPr>
-              <a:t>Прогнозная способность после проведения 6-ти </a:t>
-            </a:r>
-            <a:r>
-              <a:rPr lang="ru-RU" sz="1300" dirty="0" err="1">
-                <a:solidFill>
-                  <a:schemeClr val="tx2"/>
-                </a:solidFill>
-                <a:latin typeface="GPN_DIN Condensed" panose="020B0506020202020204" pitchFamily="34" charset="-52"/>
-              </a:rPr>
-              <a:t>слойной</a:t>
-            </a:r>
-            <a:r>
-              <a:rPr lang="ru-RU" sz="1300" dirty="0">
-                <a:solidFill>
-                  <a:schemeClr val="tx2"/>
-                </a:solidFill>
-                <a:latin typeface="GPN_DIN Condensed" panose="020B0506020202020204" pitchFamily="34" charset="-52"/>
-              </a:rPr>
-              <a:t> кросс-валидации составила 85.57% по среднеквадратичному отклонению</a:t>
-            </a:r>
-          </a:p>
-          <a:p>
-            <a:pPr marL="342900" indent="-342900" algn="ctr">
+                <a:latin typeface="GPN_DIN Condensed" panose="020B0506020202020204"/>
+              </a:rPr>
+              <a:t>Предполагает линейную зависимость между входными признаками и целевой переменной, в отличие от других методов, которые могут учитывать нелинейные зависимости.</a:t>
+            </a:r>
+          </a:p>
+          <a:p>
+            <a:pPr marL="342900" indent="-342900" algn="just">
               <a:lnSpc>
                 <a:spcPct val="150000"/>
               </a:lnSpc>
@@ -14108,21 +13864,28 @@
                 <a:solidFill>
                   <a:schemeClr val="tx2"/>
                 </a:solidFill>
-                <a:latin typeface="GPN_DIN Condensed" panose="020B0506020202020204" pitchFamily="34" charset="-52"/>
-              </a:rPr>
-              <a:t>Наблюдается нелинейная зависимость параметров от целевой переменной</a:t>
-            </a:r>
-          </a:p>
-          <a:p>
-            <a:pPr marL="342900" lvl="0" indent="-342900">
-              <a:buAutoNum type="arabicParenR"/>
+                <a:latin typeface="GPN_DIN Condensed" panose="020B0506020202020204"/>
+              </a:rPr>
+              <a:t>Чувствительна к выбросам</a:t>
+            </a:r>
+          </a:p>
+          <a:p>
+            <a:pPr marL="342900" indent="-342900" algn="just">
+              <a:lnSpc>
+                <a:spcPct val="150000"/>
+              </a:lnSpc>
+              <a:buFont typeface="+mj-lt"/>
+              <a:buAutoNum type="arabicPeriod"/>
             </a:pPr>
-            <a:endParaRPr lang="ru-RU" sz="1300" dirty="0">
-              <a:solidFill>
-                <a:schemeClr val="tx2"/>
-              </a:solidFill>
-              <a:latin typeface="GPN_DIN Condensed" panose="020B0506020202020204" pitchFamily="34" charset="-52"/>
-            </a:endParaRPr>
+            <a:r>
+              <a:rPr lang="ru-RU" sz="1300" dirty="0">
+                <a:solidFill>
+                  <a:schemeClr val="tx2"/>
+                </a:solidFill>
+                <a:latin typeface="GPN_DIN Condensed" panose="020B0506020202020204"/>
+              </a:rPr>
+              <a:t>Высокая скорость обучения и предсказания</a:t>
+            </a:r>
           </a:p>
         </p:txBody>
       </p:sp>
@@ -14234,8 +13997,8 @@
         </p:nvGrpSpPr>
         <p:grpSpPr>
           <a:xfrm>
-            <a:off x="417856" y="1109119"/>
-            <a:ext cx="5313801" cy="2058842"/>
+            <a:off x="417856" y="1152755"/>
+            <a:ext cx="5313801" cy="2015206"/>
             <a:chOff x="400412" y="1990180"/>
             <a:chExt cx="3649578" cy="1177166"/>
           </a:xfrm>
@@ -14324,7 +14087,7 @@
           <p:spPr>
             <a:xfrm>
               <a:off x="494756" y="2013117"/>
-              <a:ext cx="2267911" cy="184773"/>
+              <a:ext cx="2267911" cy="188774"/>
             </a:xfrm>
             <a:prstGeom prst="rect">
               <a:avLst/>
@@ -14343,7 +14106,7 @@
                   </a:solidFill>
                   <a:latin typeface="GPN_DIN Condensed" panose="020B0506020202020204" pitchFamily="34" charset="-52"/>
                 </a:rPr>
-                <a:t>Модель Линейной Регрессии</a:t>
+                <a:t>Модель Регрессии Лассо</a:t>
               </a:r>
             </a:p>
           </p:txBody>
@@ -14870,8 +14633,8 @@
         </p:nvSpPr>
         <p:spPr>
           <a:xfrm>
-            <a:off x="56132" y="1533939"/>
-            <a:ext cx="5673440" cy="361381"/>
+            <a:off x="555220" y="1533939"/>
+            <a:ext cx="5174351" cy="1561710"/>
           </a:xfrm>
           <a:prstGeom prst="rect">
             <a:avLst/>
@@ -14884,21 +14647,39 @@
           </a:bodyPr>
           <a:lstStyle/>
           <a:p>
-            <a:pPr marL="342900" indent="-342900" algn="ctr">
+            <a:pPr algn="just">
               <a:lnSpc>
                 <a:spcPct val="150000"/>
               </a:lnSpc>
-              <a:buFont typeface="+mj-lt"/>
-              <a:buAutoNum type="arabicPeriod"/>
+              <a:spcAft>
+                <a:spcPts val="800"/>
+              </a:spcAft>
             </a:pPr>
             <a:r>
               <a:rPr lang="ru-RU" sz="1300" dirty="0">
                 <a:solidFill>
                   <a:schemeClr val="tx2"/>
                 </a:solidFill>
-                <a:latin typeface="GPN_DIN Condensed" panose="020B0506020202020204" pitchFamily="34" charset="-52"/>
-              </a:rPr>
-              <a:t>Обучение модели с помощью модели</a:t>
+                <a:latin typeface="GPN_DIN Condensed" panose="020B0506020202020204"/>
+              </a:rPr>
+              <a:t>Метод регуляризации линейной регрессии. Ее отличие заключается в том, что она добавляет штраф к сумме квадратов коэффициентов регрессии, но этот штраф также включает </a:t>
+            </a:r>
+            <a:r>
+              <a:rPr lang="en-US" sz="1300" dirty="0">
+                <a:solidFill>
+                  <a:schemeClr val="tx2"/>
+                </a:solidFill>
+              </a:rPr>
+              <a:t>L</a:t>
+            </a:r>
+            <a:r>
+              <a:rPr lang="ru-RU" sz="1300" dirty="0">
+                <a:solidFill>
+                  <a:schemeClr val="tx2"/>
+                </a:solidFill>
+                <a:latin typeface="GPN_DIN Condensed" panose="020B0506020202020204"/>
+              </a:rPr>
+              <a:t>1-норму коэффициентов. Некоторые коэффициенты регрессии становятся точно равными нулю, что позволяет выполнить отбор признаков и упростить модель.</a:t>
             </a:r>
           </a:p>
         </p:txBody>
@@ -15078,7 +14859,7 @@
         </p:blipFill>
         <p:spPr>
           <a:xfrm>
-            <a:off x="9718221" y="5021643"/>
+            <a:off x="9718221" y="4934223"/>
             <a:ext cx="1876425" cy="1514475"/>
           </a:xfrm>
           <a:prstGeom prst="rect">
@@ -15086,6 +14867,107 @@
           </a:prstGeom>
         </p:spPr>
       </p:pic>
+      <p:sp>
+        <p:nvSpPr>
+          <p:cNvPr id="9" name="TextBox 8">
+            <a:extLst>
+              <a:ext uri="{FF2B5EF4-FFF2-40B4-BE49-F238E27FC236}">
+                <a16:creationId xmlns:a16="http://schemas.microsoft.com/office/drawing/2014/main" id="{E8349C0E-362B-4477-7C7A-19E9F8535A12}"/>
+              </a:ext>
+            </a:extLst>
+          </p:cNvPr>
+          <p:cNvSpPr txBox="1"/>
+          <p:nvPr/>
+        </p:nvSpPr>
+        <p:spPr>
+          <a:xfrm>
+            <a:off x="5783137" y="1573337"/>
+            <a:ext cx="5853643" cy="1261627"/>
+          </a:xfrm>
+          <a:prstGeom prst="rect">
+            <a:avLst/>
+          </a:prstGeom>
+          <a:noFill/>
+        </p:spPr>
+        <p:txBody>
+          <a:bodyPr wrap="square">
+            <a:spAutoFit/>
+          </a:bodyPr>
+          <a:lstStyle/>
+          <a:p>
+            <a:pPr marL="342900" indent="-342900" algn="just">
+              <a:lnSpc>
+                <a:spcPct val="150000"/>
+              </a:lnSpc>
+              <a:buFont typeface="+mj-lt"/>
+              <a:buAutoNum type="arabicPeriod"/>
+            </a:pPr>
+            <a:r>
+              <a:rPr lang="ru-RU" sz="1300" dirty="0">
+                <a:solidFill>
+                  <a:schemeClr val="tx2"/>
+                </a:solidFill>
+                <a:latin typeface="GPN_DIN Condensed" panose="020B0506020202020204"/>
+              </a:rPr>
+              <a:t>Регрессия Лассо может автоматически выбирать наиболее важные признаки и установить остальные коэффициенты равными нулю.</a:t>
+            </a:r>
+          </a:p>
+          <a:p>
+            <a:pPr marL="342900" indent="-342900" algn="just">
+              <a:lnSpc>
+                <a:spcPct val="150000"/>
+              </a:lnSpc>
+              <a:buFont typeface="+mj-lt"/>
+              <a:buAutoNum type="arabicPeriod"/>
+            </a:pPr>
+            <a:r>
+              <a:rPr lang="ru-RU" sz="1300" dirty="0">
+                <a:solidFill>
+                  <a:schemeClr val="tx2"/>
+                </a:solidFill>
+                <a:latin typeface="GPN_DIN Condensed" panose="020B0506020202020204"/>
+              </a:rPr>
+              <a:t>Решение проблемы </a:t>
+            </a:r>
+            <a:r>
+              <a:rPr lang="ru-RU" sz="1300" dirty="0" err="1">
+                <a:solidFill>
+                  <a:schemeClr val="tx2"/>
+                </a:solidFill>
+                <a:latin typeface="GPN_DIN Condensed" panose="020B0506020202020204"/>
+              </a:rPr>
+              <a:t>мультиколлинеарности</a:t>
+            </a:r>
+            <a:r>
+              <a:rPr lang="ru-RU" sz="1300" dirty="0">
+                <a:solidFill>
+                  <a:schemeClr val="tx2"/>
+                </a:solidFill>
+                <a:latin typeface="GPN_DIN Condensed" panose="020B0506020202020204"/>
+              </a:rPr>
+              <a:t>: если в данных есть </a:t>
+            </a:r>
+            <a:r>
+              <a:rPr lang="ru-RU" sz="1300" dirty="0" err="1">
+                <a:solidFill>
+                  <a:schemeClr val="tx2"/>
+                </a:solidFill>
+                <a:latin typeface="GPN_DIN Condensed" panose="020B0506020202020204"/>
+              </a:rPr>
+              <a:t>мультиколлинеарность</a:t>
+            </a:r>
+            <a:r>
+              <a:rPr lang="ru-RU" sz="1300" dirty="0">
+                <a:solidFill>
+                  <a:schemeClr val="tx2"/>
+                </a:solidFill>
+                <a:latin typeface="GPN_DIN Condensed" panose="020B0506020202020204"/>
+              </a:rPr>
+              <a:t> </a:t>
+            </a:r>
+          </a:p>
+        </p:txBody>
+      </p:sp>
     </p:spTree>
     <p:extLst>
       <p:ext uri="{BB962C8B-B14F-4D97-AF65-F5344CB8AC3E}">
@@ -15146,10 +15028,10 @@
               <a:t>Шаг 4. Построение моделей МО. Регрессия </a:t>
             </a:r>
             <a:r>
-              <a:rPr lang="ru-RU" altLang="ru-RU" sz="2200" dirty="0" err="1">
+              <a:rPr lang="en-US" altLang="ru-RU" sz="2200" dirty="0">
                 <a:latin typeface="Arial Narrow" panose="020B0606020202030204" pitchFamily="34" charset="0"/>
               </a:rPr>
-              <a:t>Ридж</a:t>
+              <a:t>Ridge</a:t>
             </a:r>
             <a:endParaRPr lang="ru-RU" sz="2200" dirty="0">
               <a:latin typeface="Arial Narrow" panose="020B0606020202030204" pitchFamily="34" charset="0"/>
@@ -15171,8 +15053,8 @@
         </p:nvGrpSpPr>
         <p:grpSpPr>
           <a:xfrm>
-            <a:off x="395124" y="1109118"/>
-            <a:ext cx="5313801" cy="2058842"/>
+            <a:off x="414723" y="1142656"/>
+            <a:ext cx="5313801" cy="2114699"/>
             <a:chOff x="400412" y="1990180"/>
             <a:chExt cx="3649578" cy="1177166"/>
           </a:xfrm>
@@ -15280,8 +15162,23 @@
                   </a:solidFill>
                   <a:latin typeface="GPN_DIN Condensed" panose="020B0506020202020204" pitchFamily="34" charset="-52"/>
                 </a:rPr>
-                <a:t>Модель Линейной Регрессии</a:t>
+                <a:t>Модель Регрессии </a:t>
               </a:r>
+              <a:r>
+                <a:rPr lang="en-US" sz="1500" b="1" dirty="0">
+                  <a:solidFill>
+                    <a:schemeClr val="accent1"/>
+                  </a:solidFill>
+                  <a:latin typeface="GPN_DIN Condensed" panose="020B0506020202020204" pitchFamily="34" charset="-52"/>
+                </a:rPr>
+                <a:t>Ridge</a:t>
+              </a:r>
+              <a:endParaRPr lang="ru-RU" sz="1500" b="1" dirty="0">
+                <a:solidFill>
+                  <a:schemeClr val="accent1"/>
+                </a:solidFill>
+                <a:latin typeface="GPN_DIN Condensed" panose="020B0506020202020204" pitchFamily="34" charset="-52"/>
+              </a:endParaRPr>
             </a:p>
           </p:txBody>
         </p:sp>
@@ -15600,16 +15497,7 @@
                   </a:solidFill>
                   <a:latin typeface="GPN_DIN Condensed" panose="020B0506020202020204" pitchFamily="34" charset="-52"/>
                 </a:rPr>
-                <a:t> </a:t>
-              </a:r>
-              <a:r>
-                <a:rPr lang="ru-RU" sz="1500" b="1" dirty="0" err="1">
-                  <a:solidFill>
-                    <a:schemeClr val="accent1"/>
-                  </a:solidFill>
-                  <a:latin typeface="GPN_DIN Condensed" panose="020B0506020202020204" pitchFamily="34" charset="-52"/>
-                </a:rPr>
-                <a:t>Ридж</a:t>
+                <a:t> Ridge</a:t>
               </a:r>
               <a:endParaRPr lang="ru-RU" sz="1500" b="1" dirty="0">
                 <a:solidFill>
@@ -15831,8 +15719,8 @@
         </p:nvSpPr>
         <p:spPr>
           <a:xfrm>
-            <a:off x="56132" y="1533939"/>
-            <a:ext cx="5673440" cy="661463"/>
+            <a:off x="552088" y="1533939"/>
+            <a:ext cx="4990296" cy="1261627"/>
           </a:xfrm>
           <a:prstGeom prst="rect">
             <a:avLst/>
@@ -15845,39 +15733,354 @@
           </a:bodyPr>
           <a:lstStyle/>
           <a:p>
-            <a:pPr marL="342900" indent="-342900" algn="ctr">
+            <a:pPr algn="just">
               <a:lnSpc>
                 <a:spcPct val="150000"/>
               </a:lnSpc>
-              <a:buFont typeface="+mj-lt"/>
-              <a:buAutoNum type="arabicPeriod"/>
             </a:pPr>
             <a:r>
               <a:rPr lang="ru-RU" sz="1300" dirty="0">
                 <a:solidFill>
                   <a:schemeClr val="tx2"/>
                 </a:solidFill>
-                <a:latin typeface="GPN_DIN Condensed" panose="020B0506020202020204" pitchFamily="34" charset="-52"/>
-              </a:rPr>
-              <a:t>Обучение модели с помощью модели </a:t>
+              </a:rPr>
+              <a:t>М</a:t>
             </a:r>
             <a:r>
               <a:rPr lang="en-US" sz="1300" dirty="0" err="1">
                 <a:solidFill>
                   <a:schemeClr val="tx2"/>
                 </a:solidFill>
-                <a:latin typeface="GPN_DIN Condensed" panose="020B0506020202020204" pitchFamily="34" charset="-52"/>
-              </a:rPr>
-              <a:t>LinearRegression</a:t>
+              </a:rPr>
+              <a:t>етод</a:t>
             </a:r>
             <a:r>
               <a:rPr lang="en-US" sz="1300" dirty="0">
                 <a:solidFill>
                   <a:schemeClr val="tx2"/>
                 </a:solidFill>
-                <a:latin typeface="GPN_DIN Condensed" panose="020B0506020202020204" pitchFamily="34" charset="-52"/>
-              </a:rPr>
-              <a:t>()</a:t>
+              </a:rPr>
+              <a:t> </a:t>
+            </a:r>
+            <a:r>
+              <a:rPr lang="en-US" sz="1300" dirty="0" err="1">
+                <a:solidFill>
+                  <a:schemeClr val="tx2"/>
+                </a:solidFill>
+              </a:rPr>
+              <a:t>регуляризации</a:t>
+            </a:r>
+            <a:r>
+              <a:rPr lang="en-US" sz="1300" dirty="0">
+                <a:solidFill>
+                  <a:schemeClr val="tx2"/>
+                </a:solidFill>
+              </a:rPr>
+              <a:t> </a:t>
+            </a:r>
+            <a:r>
+              <a:rPr lang="en-US" sz="1300" dirty="0" err="1">
+                <a:solidFill>
+                  <a:schemeClr val="tx2"/>
+                </a:solidFill>
+              </a:rPr>
+              <a:t>линейной</a:t>
+            </a:r>
+            <a:r>
+              <a:rPr lang="en-US" sz="1300" dirty="0">
+                <a:solidFill>
+                  <a:schemeClr val="tx2"/>
+                </a:solidFill>
+              </a:rPr>
+              <a:t> </a:t>
+            </a:r>
+            <a:r>
+              <a:rPr lang="en-US" sz="1300" dirty="0" err="1">
+                <a:solidFill>
+                  <a:schemeClr val="tx2"/>
+                </a:solidFill>
+              </a:rPr>
+              <a:t>регрессии</a:t>
+            </a:r>
+            <a:r>
+              <a:rPr lang="en-US" sz="1300" dirty="0">
+                <a:solidFill>
+                  <a:schemeClr val="tx2"/>
+                </a:solidFill>
+              </a:rPr>
+              <a:t>, </a:t>
+            </a:r>
+            <a:r>
+              <a:rPr lang="en-US" sz="1300" dirty="0" err="1">
+                <a:solidFill>
+                  <a:schemeClr val="tx2"/>
+                </a:solidFill>
+              </a:rPr>
+              <a:t>который</a:t>
+            </a:r>
+            <a:r>
+              <a:rPr lang="en-US" sz="1300" dirty="0">
+                <a:solidFill>
+                  <a:schemeClr val="tx2"/>
+                </a:solidFill>
+              </a:rPr>
+              <a:t> </a:t>
+            </a:r>
+            <a:r>
+              <a:rPr lang="en-US" sz="1300" dirty="0" err="1">
+                <a:solidFill>
+                  <a:schemeClr val="tx2"/>
+                </a:solidFill>
+              </a:rPr>
+              <a:t>также</a:t>
+            </a:r>
+            <a:r>
+              <a:rPr lang="en-US" sz="1300" dirty="0">
+                <a:solidFill>
+                  <a:schemeClr val="tx2"/>
+                </a:solidFill>
+              </a:rPr>
+              <a:t> </a:t>
+            </a:r>
+            <a:r>
+              <a:rPr lang="en-US" sz="1300" dirty="0" err="1">
+                <a:solidFill>
+                  <a:schemeClr val="tx2"/>
+                </a:solidFill>
+              </a:rPr>
+              <a:t>добавляет</a:t>
+            </a:r>
+            <a:r>
+              <a:rPr lang="en-US" sz="1300" dirty="0">
+                <a:solidFill>
+                  <a:schemeClr val="tx2"/>
+                </a:solidFill>
+              </a:rPr>
+              <a:t> </a:t>
+            </a:r>
+            <a:r>
+              <a:rPr lang="en-US" sz="1300" dirty="0" err="1">
+                <a:solidFill>
+                  <a:schemeClr val="tx2"/>
+                </a:solidFill>
+              </a:rPr>
+              <a:t>штраф</a:t>
+            </a:r>
+            <a:r>
+              <a:rPr lang="en-US" sz="1300" dirty="0">
+                <a:solidFill>
+                  <a:schemeClr val="tx2"/>
+                </a:solidFill>
+              </a:rPr>
+              <a:t> к </a:t>
+            </a:r>
+            <a:r>
+              <a:rPr lang="en-US" sz="1300" dirty="0" err="1">
+                <a:solidFill>
+                  <a:schemeClr val="tx2"/>
+                </a:solidFill>
+              </a:rPr>
+              <a:t>сумме</a:t>
+            </a:r>
+            <a:r>
+              <a:rPr lang="en-US" sz="1300" dirty="0">
+                <a:solidFill>
+                  <a:schemeClr val="tx2"/>
+                </a:solidFill>
+              </a:rPr>
+              <a:t> </a:t>
+            </a:r>
+            <a:r>
+              <a:rPr lang="en-US" sz="1300" dirty="0" err="1">
+                <a:solidFill>
+                  <a:schemeClr val="tx2"/>
+                </a:solidFill>
+              </a:rPr>
+              <a:t>квадратов</a:t>
+            </a:r>
+            <a:r>
+              <a:rPr lang="en-US" sz="1300" dirty="0">
+                <a:solidFill>
+                  <a:schemeClr val="tx2"/>
+                </a:solidFill>
+              </a:rPr>
+              <a:t> </a:t>
+            </a:r>
+            <a:r>
+              <a:rPr lang="en-US" sz="1300" dirty="0" err="1">
+                <a:solidFill>
+                  <a:schemeClr val="tx2"/>
+                </a:solidFill>
+              </a:rPr>
+              <a:t>коэффициентов</a:t>
+            </a:r>
+            <a:r>
+              <a:rPr lang="en-US" sz="1300" dirty="0">
+                <a:solidFill>
+                  <a:schemeClr val="tx2"/>
+                </a:solidFill>
+              </a:rPr>
+              <a:t> </a:t>
+            </a:r>
+            <a:r>
+              <a:rPr lang="en-US" sz="1300" dirty="0" err="1">
+                <a:solidFill>
+                  <a:schemeClr val="tx2"/>
+                </a:solidFill>
+              </a:rPr>
+              <a:t>регрессии</a:t>
+            </a:r>
+            <a:r>
+              <a:rPr lang="en-US" sz="1300" dirty="0">
+                <a:solidFill>
+                  <a:schemeClr val="tx2"/>
+                </a:solidFill>
+              </a:rPr>
+              <a:t>, </a:t>
+            </a:r>
+            <a:r>
+              <a:rPr lang="en-US" sz="1300" dirty="0" err="1">
+                <a:solidFill>
+                  <a:schemeClr val="tx2"/>
+                </a:solidFill>
+              </a:rPr>
+              <a:t>но</a:t>
+            </a:r>
+            <a:r>
+              <a:rPr lang="en-US" sz="1300" dirty="0">
+                <a:solidFill>
+                  <a:schemeClr val="tx2"/>
+                </a:solidFill>
+              </a:rPr>
+              <a:t> в </a:t>
+            </a:r>
+            <a:r>
+              <a:rPr lang="en-US" sz="1300" dirty="0" err="1">
+                <a:solidFill>
+                  <a:schemeClr val="tx2"/>
+                </a:solidFill>
+              </a:rPr>
+              <a:t>отличие</a:t>
+            </a:r>
+            <a:r>
+              <a:rPr lang="en-US" sz="1300" dirty="0">
+                <a:solidFill>
+                  <a:schemeClr val="tx2"/>
+                </a:solidFill>
+              </a:rPr>
+              <a:t> </a:t>
+            </a:r>
+            <a:r>
+              <a:rPr lang="en-US" sz="1300" dirty="0" err="1">
+                <a:solidFill>
+                  <a:schemeClr val="tx2"/>
+                </a:solidFill>
+              </a:rPr>
+              <a:t>от</a:t>
+            </a:r>
+            <a:r>
+              <a:rPr lang="en-US" sz="1300" dirty="0">
+                <a:solidFill>
+                  <a:schemeClr val="tx2"/>
+                </a:solidFill>
+              </a:rPr>
+              <a:t> </a:t>
+            </a:r>
+            <a:r>
+              <a:rPr lang="en-US" sz="1300" dirty="0" err="1">
+                <a:solidFill>
+                  <a:schemeClr val="tx2"/>
+                </a:solidFill>
+              </a:rPr>
+              <a:t>регрессии</a:t>
+            </a:r>
+            <a:r>
+              <a:rPr lang="en-US" sz="1300" dirty="0">
+                <a:solidFill>
+                  <a:schemeClr val="tx2"/>
+                </a:solidFill>
+              </a:rPr>
+              <a:t> </a:t>
+            </a:r>
+            <a:r>
+              <a:rPr lang="en-US" sz="1300" dirty="0" err="1">
+                <a:solidFill>
+                  <a:schemeClr val="tx2"/>
+                </a:solidFill>
+              </a:rPr>
+              <a:t>Лассо</a:t>
+            </a:r>
+            <a:r>
+              <a:rPr lang="en-US" sz="1300" dirty="0">
+                <a:solidFill>
+                  <a:schemeClr val="tx2"/>
+                </a:solidFill>
+              </a:rPr>
+              <a:t>, </a:t>
+            </a:r>
+            <a:r>
+              <a:rPr lang="en-US" sz="1300" dirty="0" err="1">
+                <a:solidFill>
+                  <a:schemeClr val="tx2"/>
+                </a:solidFill>
+              </a:rPr>
+              <a:t>этот</a:t>
+            </a:r>
+            <a:r>
+              <a:rPr lang="en-US" sz="1300" dirty="0">
+                <a:solidFill>
+                  <a:schemeClr val="tx2"/>
+                </a:solidFill>
+              </a:rPr>
+              <a:t> </a:t>
+            </a:r>
+            <a:r>
+              <a:rPr lang="en-US" sz="1300" dirty="0" err="1">
+                <a:solidFill>
+                  <a:schemeClr val="tx2"/>
+                </a:solidFill>
+              </a:rPr>
+              <a:t>штраф</a:t>
+            </a:r>
+            <a:r>
+              <a:rPr lang="en-US" sz="1300" dirty="0">
+                <a:solidFill>
+                  <a:schemeClr val="tx2"/>
+                </a:solidFill>
+              </a:rPr>
+              <a:t> </a:t>
+            </a:r>
+            <a:r>
+              <a:rPr lang="en-US" sz="1300" dirty="0" err="1">
+                <a:solidFill>
+                  <a:schemeClr val="tx2"/>
+                </a:solidFill>
+              </a:rPr>
+              <a:t>включает</a:t>
+            </a:r>
+            <a:r>
+              <a:rPr lang="en-US" sz="1300" dirty="0">
+                <a:solidFill>
+                  <a:schemeClr val="tx2"/>
+                </a:solidFill>
+              </a:rPr>
+              <a:t> L2-норму </a:t>
+            </a:r>
+            <a:r>
+              <a:rPr lang="en-US" sz="1300" dirty="0" err="1">
+                <a:solidFill>
+                  <a:schemeClr val="tx2"/>
+                </a:solidFill>
+              </a:rPr>
+              <a:t>коэффициентов</a:t>
+            </a:r>
+            <a:r>
+              <a:rPr lang="en-US" sz="1300" dirty="0">
+                <a:solidFill>
+                  <a:schemeClr val="tx2"/>
+                </a:solidFill>
+              </a:rPr>
+              <a:t>.</a:t>
             </a:r>
             <a:endParaRPr lang="ru-RU" sz="1300" dirty="0">
               <a:solidFill>
@@ -15886,39 +16089,6 @@
               <a:latin typeface="GPN_DIN Condensed" panose="020B0506020202020204" pitchFamily="34" charset="-52"/>
             </a:endParaRPr>
           </a:p>
-          <a:p>
-            <a:pPr marL="342900" indent="-342900" algn="ctr">
-              <a:lnSpc>
-                <a:spcPct val="150000"/>
-              </a:lnSpc>
-              <a:buFont typeface="+mj-lt"/>
-              <a:buAutoNum type="arabicPeriod"/>
-            </a:pPr>
-            <a:r>
-              <a:rPr lang="ru-RU" sz="1300" dirty="0">
-                <a:solidFill>
-                  <a:schemeClr val="tx2"/>
-                </a:solidFill>
-                <a:latin typeface="GPN_DIN Condensed" panose="020B0506020202020204" pitchFamily="34" charset="-52"/>
-              </a:rPr>
-              <a:t>Использование метрик</a:t>
-            </a:r>
-            <a:r>
-              <a:rPr lang="en-US" sz="1300" dirty="0">
-                <a:solidFill>
-                  <a:schemeClr val="tx2"/>
-                </a:solidFill>
-                <a:latin typeface="GPN_DIN Condensed" panose="020B0506020202020204" pitchFamily="34" charset="-52"/>
-              </a:rPr>
-              <a:t>: MAE, MSE, RMSE, R2-Score</a:t>
-            </a:r>
-            <a:endParaRPr lang="ru-RU" sz="1300" dirty="0">
-              <a:solidFill>
-                <a:schemeClr val="tx2"/>
-              </a:solidFill>
-              <a:latin typeface="GPN_DIN Condensed" panose="020B0506020202020204" pitchFamily="34" charset="-52"/>
-            </a:endParaRPr>
-          </a:p>
         </p:txBody>
       </p:sp>
       <p:sp>
@@ -15936,7 +16106,7 @@
         <p:spPr>
           <a:xfrm>
             <a:off x="5924556" y="1515992"/>
-            <a:ext cx="5798110" cy="1492716"/>
+            <a:ext cx="5798110" cy="1861792"/>
           </a:xfrm>
           <a:prstGeom prst="rect">
             <a:avLst/>
@@ -15949,7 +16119,7 @@
           </a:bodyPr>
           <a:lstStyle/>
           <a:p>
-            <a:pPr marL="342900" indent="-342900" algn="ctr">
+            <a:pPr marL="342900" indent="-342900" algn="just">
               <a:lnSpc>
                 <a:spcPct val="150000"/>
               </a:lnSpc>
@@ -15961,31 +16131,28 @@
                 <a:solidFill>
                   <a:schemeClr val="tx2"/>
                 </a:solidFill>
-                <a:latin typeface="GPN_DIN Condensed" panose="020B0506020202020204" pitchFamily="34" charset="-52"/>
-              </a:rPr>
-              <a:t>Прогнозная способность после проведения 6-ти </a:t>
+              </a:rPr>
+              <a:t>Регрессия гребня может справиться с </a:t>
             </a:r>
             <a:r>
               <a:rPr lang="ru-RU" sz="1300" dirty="0" err="1">
                 <a:solidFill>
                   <a:schemeClr val="tx2"/>
                 </a:solidFill>
-                <a:latin typeface="GPN_DIN Condensed" panose="020B0506020202020204" pitchFamily="34" charset="-52"/>
-              </a:rPr>
-              <a:t>слойной</a:t>
+              </a:rPr>
+              <a:t>мультиколлинеарностью</a:t>
             </a:r>
             <a:r>
               <a:rPr lang="ru-RU" sz="1300" dirty="0">
                 <a:solidFill>
                   <a:schemeClr val="tx2"/>
                 </a:solidFill>
-                <a:latin typeface="GPN_DIN Condensed" panose="020B0506020202020204" pitchFamily="34" charset="-52"/>
-              </a:rPr>
-              <a:t> кросс-валидации составила 85.57% по среднеквадратичному отклонению</a:t>
-            </a:r>
-          </a:p>
-          <a:p>
-            <a:pPr marL="342900" indent="-342900" algn="ctr">
+              </a:rPr>
+              <a:t> путем уменьшения влияния коррелированных признаков. </a:t>
+            </a:r>
+          </a:p>
+          <a:p>
+            <a:pPr marL="342900" indent="-342900" algn="just">
               <a:lnSpc>
                 <a:spcPct val="150000"/>
               </a:lnSpc>
@@ -15997,20 +16164,20 @@
                 <a:solidFill>
                   <a:schemeClr val="tx2"/>
                 </a:solidFill>
-                <a:latin typeface="GPN_DIN Condensed" panose="020B0506020202020204" pitchFamily="34" charset="-52"/>
-              </a:rPr>
-              <a:t>Наблюдается нелинейная зависимость параметров от целевой переменной</a:t>
-            </a:r>
-          </a:p>
-          <a:p>
-            <a:pPr marL="342900" lvl="0" indent="-342900">
-              <a:buAutoNum type="arabicParenR"/>
-            </a:pPr>
+              </a:rPr>
+              <a:t>Улучшение устойчивости оценок коэффициентов: регрессия гребня уменьшает дисперсию оценок коэффициентов, что делает их более стабильными относительно малых изменений в данных.</a:t>
+            </a:r>
+            <a:br>
+              <a:rPr lang="ru-RU" sz="1300" dirty="0">
+                <a:solidFill>
+                  <a:schemeClr val="tx2"/>
+                </a:solidFill>
+              </a:rPr>
+            </a:br>
             <a:endParaRPr lang="ru-RU" sz="1300" dirty="0">
               <a:solidFill>
                 <a:schemeClr val="tx2"/>
               </a:solidFill>
-              <a:latin typeface="GPN_DIN Condensed" panose="020B0506020202020204" pitchFamily="34" charset="-52"/>
             </a:endParaRPr>
           </a:p>
         </p:txBody>
@@ -16277,10 +16444,10 @@
         </p:nvGrpSpPr>
         <p:grpSpPr>
           <a:xfrm>
-            <a:off x="395124" y="1109118"/>
-            <a:ext cx="5313801" cy="2058842"/>
-            <a:chOff x="400412" y="1990180"/>
-            <a:chExt cx="3649578" cy="1177166"/>
+            <a:off x="395124" y="1152755"/>
+            <a:ext cx="5313801" cy="2015206"/>
+            <a:chOff x="400412" y="2012590"/>
+            <a:chExt cx="3649578" cy="1154756"/>
           </a:xfrm>
         </p:grpSpPr>
         <p:sp>
@@ -16297,8 +16464,8 @@
           </p:nvSpPr>
           <p:spPr>
             <a:xfrm>
-              <a:off x="400412" y="1990180"/>
-              <a:ext cx="3649578" cy="1177166"/>
+              <a:off x="400412" y="2012590"/>
+              <a:ext cx="3649578" cy="1154756"/>
             </a:xfrm>
             <a:prstGeom prst="rect">
               <a:avLst/>
@@ -16386,7 +16553,7 @@
                   </a:solidFill>
                   <a:latin typeface="GPN_DIN Condensed" panose="020B0506020202020204" pitchFamily="34" charset="-52"/>
                 </a:rPr>
-                <a:t>Модель Линейной Регрессии</a:t>
+                <a:t>Модель Случайного Леса</a:t>
               </a:r>
             </a:p>
           </p:txBody>
@@ -16913,8 +17080,8 @@
         </p:nvSpPr>
         <p:spPr>
           <a:xfrm>
-            <a:off x="56132" y="1533939"/>
-            <a:ext cx="5673440" cy="661463"/>
+            <a:off x="532489" y="1533939"/>
+            <a:ext cx="5019226" cy="1658403"/>
           </a:xfrm>
           <a:prstGeom prst="rect">
             <a:avLst/>
@@ -16927,12 +17094,13 @@
           </a:bodyPr>
           <a:lstStyle/>
           <a:p>
-            <a:pPr marL="342900" indent="-342900" algn="ctr">
+            <a:pPr algn="just">
               <a:lnSpc>
                 <a:spcPct val="150000"/>
               </a:lnSpc>
-              <a:buFont typeface="+mj-lt"/>
-              <a:buAutoNum type="arabicPeriod"/>
+              <a:spcAft>
+                <a:spcPts val="800"/>
+              </a:spcAft>
             </a:pPr>
             <a:r>
               <a:rPr lang="ru-RU" sz="1300" dirty="0">
@@ -16941,65 +17109,226 @@
                 </a:solidFill>
                 <a:latin typeface="GPN_DIN Condensed" panose="020B0506020202020204" pitchFamily="34" charset="-52"/>
               </a:rPr>
-              <a:t>Обучение модели с помощью модели </a:t>
+              <a:t>Ансамблевый метод машинного обучения, который объединяет несколько деревьев решений для получения более точных и стабильных предсказаний. </a:t>
             </a:r>
             <a:r>
               <a:rPr lang="en-US" sz="1300" dirty="0" err="1">
                 <a:solidFill>
                   <a:schemeClr val="tx2"/>
                 </a:solidFill>
-                <a:latin typeface="GPN_DIN Condensed" panose="020B0506020202020204" pitchFamily="34" charset="-52"/>
-              </a:rPr>
-              <a:t>LinearRegression</a:t>
+              </a:rPr>
+              <a:t>Каждое</a:t>
             </a:r>
             <a:r>
               <a:rPr lang="en-US" sz="1300" dirty="0">
                 <a:solidFill>
                   <a:schemeClr val="tx2"/>
                 </a:solidFill>
-                <a:latin typeface="GPN_DIN Condensed" panose="020B0506020202020204" pitchFamily="34" charset="-52"/>
-              </a:rPr>
-              <a:t>()</a:t>
-            </a:r>
-            <a:endParaRPr lang="ru-RU" sz="1300" dirty="0">
-              <a:solidFill>
-                <a:schemeClr val="tx2"/>
-              </a:solidFill>
-              <a:latin typeface="GPN_DIN Condensed" panose="020B0506020202020204" pitchFamily="34" charset="-52"/>
-            </a:endParaRPr>
-          </a:p>
-          <a:p>
-            <a:pPr marL="342900" indent="-342900" algn="ctr">
-              <a:lnSpc>
-                <a:spcPct val="150000"/>
-              </a:lnSpc>
-              <a:buFont typeface="+mj-lt"/>
-              <a:buAutoNum type="arabicPeriod"/>
-            </a:pPr>
+              </a:rPr>
+              <a:t> </a:t>
+            </a:r>
+            <a:r>
+              <a:rPr lang="en-US" sz="1300" dirty="0" err="1">
+                <a:solidFill>
+                  <a:schemeClr val="tx2"/>
+                </a:solidFill>
+              </a:rPr>
+              <a:t>дерево</a:t>
+            </a:r>
+            <a:r>
+              <a:rPr lang="en-US" sz="1300" dirty="0">
+                <a:solidFill>
+                  <a:schemeClr val="tx2"/>
+                </a:solidFill>
+              </a:rPr>
+              <a:t> в </a:t>
+            </a:r>
+            <a:r>
+              <a:rPr lang="en-US" sz="1300" dirty="0" err="1">
+                <a:solidFill>
+                  <a:schemeClr val="tx2"/>
+                </a:solidFill>
+              </a:rPr>
+              <a:t>случайном</a:t>
+            </a:r>
+            <a:r>
+              <a:rPr lang="en-US" sz="1300" dirty="0">
+                <a:solidFill>
+                  <a:schemeClr val="tx2"/>
+                </a:solidFill>
+              </a:rPr>
+              <a:t> </a:t>
+            </a:r>
+            <a:r>
+              <a:rPr lang="en-US" sz="1300" dirty="0" err="1">
+                <a:solidFill>
+                  <a:schemeClr val="tx2"/>
+                </a:solidFill>
+              </a:rPr>
+              <a:t>лесу</a:t>
+            </a:r>
+            <a:r>
+              <a:rPr lang="en-US" sz="1300" dirty="0">
+                <a:solidFill>
+                  <a:schemeClr val="tx2"/>
+                </a:solidFill>
+              </a:rPr>
+              <a:t> </a:t>
+            </a:r>
+            <a:r>
+              <a:rPr lang="en-US" sz="1300" dirty="0" err="1">
+                <a:solidFill>
+                  <a:schemeClr val="tx2"/>
+                </a:solidFill>
+              </a:rPr>
+              <a:t>строится</a:t>
+            </a:r>
+            <a:r>
+              <a:rPr lang="en-US" sz="1300" dirty="0">
+                <a:solidFill>
+                  <a:schemeClr val="tx2"/>
+                </a:solidFill>
+              </a:rPr>
+              <a:t> </a:t>
+            </a:r>
+            <a:r>
+              <a:rPr lang="en-US" sz="1300" dirty="0" err="1">
+                <a:solidFill>
+                  <a:schemeClr val="tx2"/>
+                </a:solidFill>
+              </a:rPr>
+              <a:t>независимо</a:t>
+            </a:r>
+            <a:r>
+              <a:rPr lang="en-US" sz="1300" dirty="0">
+                <a:solidFill>
+                  <a:schemeClr val="tx2"/>
+                </a:solidFill>
+              </a:rPr>
+              <a:t>, </a:t>
+            </a:r>
+            <a:r>
+              <a:rPr lang="en-US" sz="1300" dirty="0" err="1">
+                <a:solidFill>
+                  <a:schemeClr val="tx2"/>
+                </a:solidFill>
+              </a:rPr>
+              <a:t>используя</a:t>
+            </a:r>
+            <a:r>
+              <a:rPr lang="en-US" sz="1300" dirty="0">
+                <a:solidFill>
+                  <a:schemeClr val="tx2"/>
+                </a:solidFill>
+              </a:rPr>
+              <a:t> </a:t>
+            </a:r>
+            <a:r>
+              <a:rPr lang="en-US" sz="1300" dirty="0" err="1">
+                <a:solidFill>
+                  <a:schemeClr val="tx2"/>
+                </a:solidFill>
+              </a:rPr>
+              <a:t>случайные</a:t>
+            </a:r>
+            <a:r>
+              <a:rPr lang="en-US" sz="1300" dirty="0">
+                <a:solidFill>
+                  <a:schemeClr val="tx2"/>
+                </a:solidFill>
+              </a:rPr>
+              <a:t> </a:t>
+            </a:r>
+            <a:r>
+              <a:rPr lang="en-US" sz="1300" dirty="0" err="1">
+                <a:solidFill>
+                  <a:schemeClr val="tx2"/>
+                </a:solidFill>
+              </a:rPr>
+              <a:t>подвыборки</a:t>
+            </a:r>
+            <a:r>
+              <a:rPr lang="en-US" sz="1300" dirty="0">
+                <a:solidFill>
+                  <a:schemeClr val="tx2"/>
+                </a:solidFill>
+              </a:rPr>
+              <a:t> </a:t>
+            </a:r>
+            <a:r>
+              <a:rPr lang="en-US" sz="1300" dirty="0" err="1">
+                <a:solidFill>
+                  <a:schemeClr val="tx2"/>
+                </a:solidFill>
+              </a:rPr>
+              <a:t>данных</a:t>
+            </a:r>
+            <a:r>
+              <a:rPr lang="en-US" sz="1300" dirty="0">
+                <a:solidFill>
+                  <a:schemeClr val="tx2"/>
+                </a:solidFill>
+              </a:rPr>
+              <a:t> </a:t>
+            </a:r>
             <a:r>
               <a:rPr lang="ru-RU" sz="1300" dirty="0">
                 <a:solidFill>
                   <a:schemeClr val="tx2"/>
                 </a:solidFill>
-                <a:latin typeface="GPN_DIN Condensed" panose="020B0506020202020204" pitchFamily="34" charset="-52"/>
-              </a:rPr>
-              <a:t>Использование метрик</a:t>
+              </a:rPr>
+              <a:t>и </a:t>
+            </a:r>
+            <a:r>
+              <a:rPr lang="en-US" sz="1300" dirty="0" err="1">
+                <a:solidFill>
+                  <a:schemeClr val="tx2"/>
+                </a:solidFill>
+              </a:rPr>
+              <a:t>случайные</a:t>
+            </a:r>
+            <a:r>
+              <a:rPr lang="ru-RU" sz="1300" dirty="0">
+                <a:solidFill>
+                  <a:schemeClr val="tx2"/>
+                </a:solidFill>
+              </a:rPr>
+              <a:t> </a:t>
+            </a:r>
+            <a:r>
+              <a:rPr lang="en-US" sz="1300" dirty="0" err="1">
+                <a:solidFill>
+                  <a:schemeClr val="tx2"/>
+                </a:solidFill>
+              </a:rPr>
+              <a:t>подмножества</a:t>
             </a:r>
             <a:r>
               <a:rPr lang="en-US" sz="1300" dirty="0">
                 <a:solidFill>
                   <a:schemeClr val="tx2"/>
                 </a:solidFill>
-                <a:latin typeface="GPN_DIN Condensed" panose="020B0506020202020204" pitchFamily="34" charset="-52"/>
-              </a:rPr>
-              <a:t>: MAE, MSE, RMSE, R2-Score</a:t>
-            </a:r>
-            <a:endParaRPr lang="ru-RU" sz="1300" dirty="0">
-              <a:solidFill>
-                <a:schemeClr val="tx2"/>
-              </a:solidFill>
-              <a:latin typeface="GPN_DIN Condensed" panose="020B0506020202020204" pitchFamily="34" charset="-52"/>
-            </a:endParaRPr>
+              </a:rPr>
+              <a:t> </a:t>
+            </a:r>
+            <a:r>
+              <a:rPr lang="en-US" sz="1300" dirty="0" err="1">
+                <a:solidFill>
+                  <a:schemeClr val="tx2"/>
+                </a:solidFill>
+              </a:rPr>
+              <a:t>признаков</a:t>
+            </a:r>
+            <a:r>
+              <a:rPr lang="ru-RU" kern="100" dirty="0">
+                <a:solidFill>
+                  <a:srgbClr val="000000"/>
+                </a:solidFill>
+                <a:latin typeface="Times New Roman" panose="02020603050405020304" pitchFamily="18" charset="0"/>
+                <a:cs typeface="Times New Roman" panose="02020603050405020304" pitchFamily="18" charset="0"/>
+              </a:rPr>
+              <a:t>.</a:t>
+            </a:r>
           </a:p>
         </p:txBody>
       </p:sp>
@@ -17018,7 +17347,7 @@
         <p:spPr>
           <a:xfrm>
             <a:off x="5924556" y="1515992"/>
-            <a:ext cx="5798110" cy="1492716"/>
+            <a:ext cx="5798110" cy="1595309"/>
           </a:xfrm>
           <a:prstGeom prst="rect">
             <a:avLst/>
@@ -17031,7 +17360,7 @@
           </a:bodyPr>
           <a:lstStyle/>
           <a:p>
-            <a:pPr marL="342900" indent="-342900" algn="ctr">
+            <a:pPr marL="342900" indent="-342900" algn="just">
               <a:lnSpc>
                 <a:spcPct val="150000"/>
               </a:lnSpc>
@@ -17043,34 +17372,18 @@
                 <a:solidFill>
                   <a:schemeClr val="tx2"/>
                 </a:solidFill>
-                <a:latin typeface="GPN_DIN Condensed" panose="020B0506020202020204" pitchFamily="34" charset="-52"/>
-              </a:rPr>
-              <a:t>Прогнозная способность после проведения 6-ти </a:t>
-            </a:r>
-            <a:r>
-              <a:rPr lang="ru-RU" sz="1300" dirty="0" err="1">
-                <a:solidFill>
-                  <a:schemeClr val="tx2"/>
-                </a:solidFill>
-                <a:latin typeface="GPN_DIN Condensed" panose="020B0506020202020204" pitchFamily="34" charset="-52"/>
-              </a:rPr>
-              <a:t>слойной</a:t>
-            </a:r>
-            <a:r>
-              <a:rPr lang="ru-RU" sz="1300" dirty="0">
-                <a:solidFill>
-                  <a:schemeClr val="tx2"/>
-                </a:solidFill>
-                <a:latin typeface="GPN_DIN Condensed" panose="020B0506020202020204" pitchFamily="34" charset="-52"/>
-              </a:rPr>
-              <a:t> кросс-валидации составила 85.57% по среднеквадратичному отклонению</a:t>
-            </a:r>
-          </a:p>
-          <a:p>
-            <a:pPr marL="342900" indent="-342900" algn="ctr">
+              </a:rPr>
+              <a:t>Хорошо масштабируется и может эффективно работать с большими объемами данных.</a:t>
+            </a:r>
+          </a:p>
+          <a:p>
+            <a:pPr marL="342900" lvl="0" indent="-342900" algn="just">
               <a:lnSpc>
                 <a:spcPct val="150000"/>
               </a:lnSpc>
+              <a:spcAft>
+                <a:spcPts val="800"/>
+              </a:spcAft>
               <a:buFont typeface="+mj-lt"/>
               <a:buAutoNum type="arabicPeriod"/>
             </a:pPr>
@@ -17079,10 +17392,126 @@
                 <a:solidFill>
                   <a:schemeClr val="tx2"/>
                 </a:solidFill>
-                <a:latin typeface="GPN_DIN Condensed" panose="020B0506020202020204" pitchFamily="34" charset="-52"/>
-              </a:rPr>
-              <a:t>Наблюдается нелинейная зависимость параметров от целевой переменной</a:t>
-            </a:r>
+              </a:rPr>
+              <a:t>И</a:t>
+            </a:r>
+            <a:r>
+              <a:rPr lang="en-US" sz="1300" dirty="0" err="1">
+                <a:solidFill>
+                  <a:schemeClr val="tx2"/>
+                </a:solidFill>
+              </a:rPr>
+              <a:t>меет</a:t>
+            </a:r>
+            <a:r>
+              <a:rPr lang="en-US" sz="1300" dirty="0">
+                <a:solidFill>
+                  <a:schemeClr val="tx2"/>
+                </a:solidFill>
+              </a:rPr>
+              <a:t> </a:t>
+            </a:r>
+            <a:r>
+              <a:rPr lang="en-US" sz="1300" dirty="0" err="1">
+                <a:solidFill>
+                  <a:schemeClr val="tx2"/>
+                </a:solidFill>
+              </a:rPr>
+              <a:t>низкую</a:t>
+            </a:r>
+            <a:r>
+              <a:rPr lang="en-US" sz="1300" dirty="0">
+                <a:solidFill>
+                  <a:schemeClr val="tx2"/>
+                </a:solidFill>
+              </a:rPr>
+              <a:t> </a:t>
+            </a:r>
+            <a:r>
+              <a:rPr lang="en-US" sz="1300" dirty="0" err="1">
+                <a:solidFill>
+                  <a:schemeClr val="tx2"/>
+                </a:solidFill>
+              </a:rPr>
+              <a:t>вероятность</a:t>
+            </a:r>
+            <a:r>
+              <a:rPr lang="en-US" sz="1300" dirty="0">
+                <a:solidFill>
+                  <a:schemeClr val="tx2"/>
+                </a:solidFill>
+              </a:rPr>
+              <a:t> </a:t>
+            </a:r>
+            <a:r>
+              <a:rPr lang="en-US" sz="1300" dirty="0" err="1">
+                <a:solidFill>
+                  <a:schemeClr val="tx2"/>
+                </a:solidFill>
+              </a:rPr>
+              <a:t>переобучения</a:t>
+            </a:r>
+            <a:r>
+              <a:rPr lang="en-US" sz="1300" dirty="0">
+                <a:solidFill>
+                  <a:schemeClr val="tx2"/>
+                </a:solidFill>
+              </a:rPr>
+              <a:t> и </a:t>
+            </a:r>
+            <a:r>
+              <a:rPr lang="en-US" sz="1300" dirty="0" err="1">
+                <a:solidFill>
+                  <a:schemeClr val="tx2"/>
+                </a:solidFill>
+              </a:rPr>
+              <a:t>хорошую</a:t>
+            </a:r>
+            <a:r>
+              <a:rPr lang="en-US" sz="1300" dirty="0">
+                <a:solidFill>
+                  <a:schemeClr val="tx2"/>
+                </a:solidFill>
+              </a:rPr>
+              <a:t> </a:t>
+            </a:r>
+            <a:r>
+              <a:rPr lang="en-US" sz="1300" dirty="0" err="1">
+                <a:solidFill>
+                  <a:schemeClr val="tx2"/>
+                </a:solidFill>
+              </a:rPr>
+              <a:t>обобщающую</a:t>
+            </a:r>
+            <a:r>
+              <a:rPr lang="en-US" sz="1300" dirty="0">
+                <a:solidFill>
+                  <a:schemeClr val="tx2"/>
+                </a:solidFill>
+              </a:rPr>
+              <a:t> </a:t>
+            </a:r>
+            <a:r>
+              <a:rPr lang="en-US" sz="1300" dirty="0" err="1">
+                <a:solidFill>
+                  <a:schemeClr val="tx2"/>
+                </a:solidFill>
+              </a:rPr>
+              <a:t>способность</a:t>
+            </a:r>
+            <a:r>
+              <a:rPr lang="en-US" sz="1300" dirty="0">
+                <a:solidFill>
+                  <a:schemeClr val="tx2"/>
+                </a:solidFill>
+              </a:rPr>
+              <a:t>.</a:t>
+            </a:r>
+            <a:endParaRPr lang="ru-RU" sz="1300" dirty="0">
+              <a:solidFill>
+                <a:schemeClr val="tx2"/>
+              </a:solidFill>
+            </a:endParaRPr>
           </a:p>
           <a:p>
             <a:pPr marL="342900" lvl="0" indent="-342900">
@@ -17155,7 +17584,7 @@
         </p:blipFill>
         <p:spPr bwMode="auto">
           <a:xfrm>
-            <a:off x="924284" y="3766649"/>
+            <a:off x="906360" y="3771054"/>
             <a:ext cx="3204399" cy="2589701"/>
           </a:xfrm>
           <a:prstGeom prst="rect">
@@ -17222,10 +17651,10 @@
       </p:pic>
       <p:pic>
         <p:nvPicPr>
-          <p:cNvPr id="8" name="Рисунок 7">
-            <a:extLst>
-              <a:ext uri="{FF2B5EF4-FFF2-40B4-BE49-F238E27FC236}">
-                <a16:creationId xmlns:a16="http://schemas.microsoft.com/office/drawing/2014/main" id="{EF1ACBA2-257E-F075-D4BA-215BD4FD8295}"/>
+          <p:cNvPr id="9" name="Рисунок 8">
+            <a:extLst>
+              <a:ext uri="{FF2B5EF4-FFF2-40B4-BE49-F238E27FC236}">
+                <a16:creationId xmlns:a16="http://schemas.microsoft.com/office/drawing/2014/main" id="{0892B69A-A4B8-6E20-956C-89349CBF4E9A}"/>
               </a:ext>
             </a:extLst>
           </p:cNvPr>
@@ -17242,8 +17671,8 @@
         </p:blipFill>
         <p:spPr>
           <a:xfrm>
-            <a:off x="9667875" y="3601826"/>
-            <a:ext cx="1685925" cy="1428750"/>
+            <a:off x="9627287" y="4969657"/>
+            <a:ext cx="1734213" cy="1427792"/>
           </a:xfrm>
           <a:prstGeom prst="rect">
             <a:avLst/>
@@ -17252,10 +17681,10 @@
       </p:pic>
       <p:pic>
         <p:nvPicPr>
-          <p:cNvPr id="10" name="Рисунок 9">
-            <a:extLst>
-              <a:ext uri="{FF2B5EF4-FFF2-40B4-BE49-F238E27FC236}">
-                <a16:creationId xmlns:a16="http://schemas.microsoft.com/office/drawing/2014/main" id="{DD7D1D64-6393-245E-9260-6544D1A38371}"/>
+          <p:cNvPr id="12" name="Рисунок 11">
+            <a:extLst>
+              <a:ext uri="{FF2B5EF4-FFF2-40B4-BE49-F238E27FC236}">
+                <a16:creationId xmlns:a16="http://schemas.microsoft.com/office/drawing/2014/main" id="{8DD4E7F6-2E1A-B331-F3CC-075A19F42531}"/>
               </a:ext>
             </a:extLst>
           </p:cNvPr>
@@ -17272,8 +17701,8 @@
         </p:blipFill>
         <p:spPr>
           <a:xfrm>
-            <a:off x="9627287" y="4978402"/>
-            <a:ext cx="1762125" cy="1381125"/>
+            <a:off x="9684122" y="3627731"/>
+            <a:ext cx="1669678" cy="1341926"/>
           </a:xfrm>
           <a:prstGeom prst="rect">
             <a:avLst/>
@@ -17474,8 +17903,23 @@
                   </a:solidFill>
                   <a:latin typeface="GPN_DIN Condensed" panose="020B0506020202020204" pitchFamily="34" charset="-52"/>
                 </a:rPr>
-                <a:t>Модель Линейной Регрессии</a:t>
+                <a:t>Модель Градиентного </a:t>
               </a:r>
+              <a:r>
+                <a:rPr lang="ru-RU" sz="1500" b="1" dirty="0" err="1">
+                  <a:solidFill>
+                    <a:schemeClr val="accent1"/>
+                  </a:solidFill>
+                  <a:latin typeface="GPN_DIN Condensed" panose="020B0506020202020204" pitchFamily="34" charset="-52"/>
+                </a:rPr>
+                <a:t>Бустинга</a:t>
+              </a:r>
+              <a:endParaRPr lang="ru-RU" sz="1500" b="1" dirty="0">
+                <a:solidFill>
+                  <a:schemeClr val="accent1"/>
+                </a:solidFill>
+                <a:latin typeface="GPN_DIN Condensed" panose="020B0506020202020204" pitchFamily="34" charset="-52"/>
+              </a:endParaRPr>
             </a:p>
           </p:txBody>
         </p:sp>
@@ -17785,26 +18229,23 @@
                   </a:solidFill>
                   <a:latin typeface="GPN_DIN Condensed" panose="020B0506020202020204" pitchFamily="34" charset="-52"/>
                 </a:rPr>
-                <a:t>Результаты Регрессии</a:t>
+                <a:t>Результаты Градиентного </a:t>
               </a:r>
               <a:r>
-                <a:rPr lang="en-US" sz="1500" b="1" dirty="0">
+                <a:rPr lang="ru-RU" sz="1500" b="1" dirty="0" err="1">
                   <a:solidFill>
                     <a:schemeClr val="accent1"/>
                   </a:solidFill>
                   <a:latin typeface="GPN_DIN Condensed" panose="020B0506020202020204" pitchFamily="34" charset="-52"/>
                 </a:rPr>
-                <a:t> </a:t>
+                <a:t>Бустинга</a:t>
               </a:r>
-              <a:r>
-                <a:rPr lang="ru-RU" sz="1500" b="1" dirty="0">
-                  <a:solidFill>
-                    <a:schemeClr val="accent1"/>
-                  </a:solidFill>
-                  <a:latin typeface="GPN_DIN Condensed" panose="020B0506020202020204" pitchFamily="34" charset="-52"/>
-                </a:rPr>
-                <a:t>Лассо</a:t>
-              </a:r>
+              <a:endParaRPr lang="ru-RU" sz="1500" b="1" dirty="0">
+                <a:solidFill>
+                  <a:schemeClr val="accent1"/>
+                </a:solidFill>
+                <a:latin typeface="GPN_DIN Condensed" panose="020B0506020202020204" pitchFamily="34" charset="-52"/>
+              </a:endParaRPr>
             </a:p>
           </p:txBody>
         </p:sp>
@@ -18019,8 +18460,8 @@
         </p:nvSpPr>
         <p:spPr>
           <a:xfrm>
-            <a:off x="56132" y="1533939"/>
-            <a:ext cx="5673440" cy="661463"/>
+            <a:off x="532489" y="1535724"/>
+            <a:ext cx="5092084" cy="1261627"/>
           </a:xfrm>
           <a:prstGeom prst="rect">
             <a:avLst/>
@@ -18033,12 +18474,10 @@
           </a:bodyPr>
           <a:lstStyle/>
           <a:p>
-            <a:pPr marL="342900" indent="-342900" algn="ctr">
+            <a:pPr algn="just">
               <a:lnSpc>
                 <a:spcPct val="150000"/>
               </a:lnSpc>
-              <a:buFont typeface="+mj-lt"/>
-              <a:buAutoNum type="arabicPeriod"/>
             </a:pPr>
             <a:r>
               <a:rPr lang="ru-RU" sz="1300" dirty="0">
@@ -18047,65 +18486,8 @@
                 </a:solidFill>
                 <a:latin typeface="GPN_DIN Condensed" panose="020B0506020202020204" pitchFamily="34" charset="-52"/>
               </a:rPr>
-              <a:t>Обучение модели с помощью модели </a:t>
-            </a:r>
-            <a:r>
-              <a:rPr lang="en-US" sz="1300" dirty="0" err="1">
-                <a:solidFill>
-                  <a:schemeClr val="tx2"/>
-                </a:solidFill>
-                <a:latin typeface="GPN_DIN Condensed" panose="020B0506020202020204" pitchFamily="34" charset="-52"/>
-              </a:rPr>
-              <a:t>LinearRegression</a:t>
-            </a:r>
-            <a:r>
-              <a:rPr lang="en-US" sz="1300" dirty="0">
-                <a:solidFill>
-                  <a:schemeClr val="tx2"/>
-                </a:solidFill>
-                <a:latin typeface="GPN_DIN Condensed" panose="020B0506020202020204" pitchFamily="34" charset="-52"/>
-              </a:rPr>
-              <a:t>()</a:t>
-            </a:r>
-            <a:endParaRPr lang="ru-RU" sz="1300" dirty="0">
-              <a:solidFill>
-                <a:schemeClr val="tx2"/>
-              </a:solidFill>
-              <a:latin typeface="GPN_DIN Condensed" panose="020B0506020202020204" pitchFamily="34" charset="-52"/>
-            </a:endParaRPr>
-          </a:p>
-          <a:p>
-            <a:pPr marL="342900" indent="-342900" algn="ctr">
-              <a:lnSpc>
-                <a:spcPct val="150000"/>
-              </a:lnSpc>
-              <a:buFont typeface="+mj-lt"/>
-              <a:buAutoNum type="arabicPeriod"/>
-            </a:pPr>
-            <a:r>
-              <a:rPr lang="ru-RU" sz="1300" dirty="0">
-                <a:solidFill>
-                  <a:schemeClr val="tx2"/>
-                </a:solidFill>
-                <a:latin typeface="GPN_DIN Condensed" panose="020B0506020202020204" pitchFamily="34" charset="-52"/>
-              </a:rPr>
-              <a:t>Использование метрик</a:t>
-            </a:r>
-            <a:r>
-              <a:rPr lang="en-US" sz="1300" dirty="0">
-                <a:solidFill>
-                  <a:schemeClr val="tx2"/>
-                </a:solidFill>
-                <a:latin typeface="GPN_DIN Condensed" panose="020B0506020202020204" pitchFamily="34" charset="-52"/>
-              </a:rPr>
-              <a:t>: MAE, MSE, RMSE, R2-Score</a:t>
-            </a:r>
-            <a:endParaRPr lang="ru-RU" sz="1300" dirty="0">
-              <a:solidFill>
-                <a:schemeClr val="tx2"/>
-              </a:solidFill>
-              <a:latin typeface="GPN_DIN Condensed" panose="020B0506020202020204" pitchFamily="34" charset="-52"/>
-            </a:endParaRPr>
+              <a:t>Ансамблевый метод машинного обучения, который строит модель путем комбинирования слабых моделей в последовательности, где каждая следующая модель исправляет ошибки предыдущей модели.</a:t>
+            </a:r>
           </a:p>
         </p:txBody>
       </p:sp>
@@ -18123,8 +18505,8 @@
         </p:nvSpPr>
         <p:spPr>
           <a:xfrm>
-            <a:off x="5924556" y="1515992"/>
-            <a:ext cx="5798110" cy="1492716"/>
+            <a:off x="5708925" y="1515992"/>
+            <a:ext cx="6013741" cy="1861792"/>
           </a:xfrm>
           <a:prstGeom prst="rect">
             <a:avLst/>
@@ -18137,62 +18519,383 @@
           </a:bodyPr>
           <a:lstStyle/>
           <a:p>
+            <a:pPr marL="342900" indent="-342900" algn="just">
+              <a:lnSpc>
+                <a:spcPct val="150000"/>
+              </a:lnSpc>
+              <a:buFont typeface="+mj-lt"/>
+              <a:buAutoNum type="arabicPeriod"/>
+            </a:pPr>
+            <a:r>
+              <a:rPr lang="ru-RU" sz="1300" dirty="0">
+                <a:solidFill>
+                  <a:schemeClr val="tx2"/>
+                </a:solidFill>
+                <a:latin typeface="GPN_DIN Condensed" panose="020B0506020202020204" pitchFamily="34" charset="-52"/>
+              </a:rPr>
+              <a:t>Строит модель пошагово, добавляя новые модели для исправления ошибок предыдущих моделей.</a:t>
+            </a:r>
+          </a:p>
+          <a:p>
+            <a:pPr marL="342900" indent="-342900" algn="just">
+              <a:lnSpc>
+                <a:spcPct val="150000"/>
+              </a:lnSpc>
+              <a:buFont typeface="+mj-lt"/>
+              <a:buAutoNum type="arabicPeriod"/>
+            </a:pPr>
+            <a:r>
+              <a:rPr lang="ru-RU" sz="1300" dirty="0">
+                <a:solidFill>
+                  <a:schemeClr val="tx2"/>
+                </a:solidFill>
+              </a:rPr>
+              <a:t>В</a:t>
+            </a:r>
+            <a:r>
+              <a:rPr lang="en-US" sz="1300" dirty="0">
+                <a:solidFill>
+                  <a:schemeClr val="tx2"/>
+                </a:solidFill>
+              </a:rPr>
+              <a:t> </a:t>
+            </a:r>
+            <a:r>
+              <a:rPr lang="en-US" sz="1300" dirty="0" err="1">
+                <a:solidFill>
+                  <a:schemeClr val="tx2"/>
+                </a:solidFill>
+              </a:rPr>
+              <a:t>каждом</a:t>
+            </a:r>
+            <a:r>
+              <a:rPr lang="en-US" sz="1300" dirty="0">
+                <a:solidFill>
+                  <a:schemeClr val="tx2"/>
+                </a:solidFill>
+              </a:rPr>
+              <a:t> </a:t>
+            </a:r>
+            <a:r>
+              <a:rPr lang="en-US" sz="1300" dirty="0" err="1">
+                <a:solidFill>
+                  <a:schemeClr val="tx2"/>
+                </a:solidFill>
+              </a:rPr>
+              <a:t>шаге</a:t>
+            </a:r>
+            <a:r>
+              <a:rPr lang="en-US" sz="1300" dirty="0">
+                <a:solidFill>
+                  <a:schemeClr val="tx2"/>
+                </a:solidFill>
+              </a:rPr>
+              <a:t> </a:t>
+            </a:r>
+            <a:r>
+              <a:rPr lang="en-US" sz="1300" dirty="0" err="1">
+                <a:solidFill>
+                  <a:schemeClr val="tx2"/>
+                </a:solidFill>
+              </a:rPr>
+              <a:t>обучения</a:t>
+            </a:r>
+            <a:r>
+              <a:rPr lang="en-US" sz="1300" dirty="0">
+                <a:solidFill>
+                  <a:schemeClr val="tx2"/>
+                </a:solidFill>
+              </a:rPr>
+              <a:t> </a:t>
+            </a:r>
+            <a:r>
+              <a:rPr lang="en-US" sz="1300" dirty="0" err="1">
+                <a:solidFill>
+                  <a:schemeClr val="tx2"/>
+                </a:solidFill>
+              </a:rPr>
+              <a:t>взвешивает</a:t>
+            </a:r>
+            <a:r>
+              <a:rPr lang="en-US" sz="1300" dirty="0">
+                <a:solidFill>
+                  <a:schemeClr val="tx2"/>
+                </a:solidFill>
+              </a:rPr>
+              <a:t> </a:t>
+            </a:r>
+            <a:r>
+              <a:rPr lang="en-US" sz="1300" dirty="0" err="1">
+                <a:solidFill>
+                  <a:schemeClr val="tx2"/>
+                </a:solidFill>
+              </a:rPr>
+              <a:t>ошибки</a:t>
+            </a:r>
+            <a:r>
+              <a:rPr lang="en-US" sz="1300" dirty="0">
+                <a:solidFill>
+                  <a:schemeClr val="tx2"/>
+                </a:solidFill>
+              </a:rPr>
+              <a:t> </a:t>
+            </a:r>
+            <a:r>
+              <a:rPr lang="en-US" sz="1300" dirty="0" err="1">
+                <a:solidFill>
+                  <a:schemeClr val="tx2"/>
+                </a:solidFill>
+              </a:rPr>
+              <a:t>предыдущих</a:t>
+            </a:r>
+            <a:r>
+              <a:rPr lang="en-US" sz="1300" dirty="0">
+                <a:solidFill>
+                  <a:schemeClr val="tx2"/>
+                </a:solidFill>
+              </a:rPr>
+              <a:t> </a:t>
+            </a:r>
+            <a:r>
+              <a:rPr lang="en-US" sz="1300" dirty="0" err="1">
+                <a:solidFill>
+                  <a:schemeClr val="tx2"/>
+                </a:solidFill>
+              </a:rPr>
+              <a:t>моделей</a:t>
+            </a:r>
+            <a:r>
+              <a:rPr lang="en-US" sz="1300" dirty="0">
+                <a:solidFill>
+                  <a:schemeClr val="tx2"/>
+                </a:solidFill>
+              </a:rPr>
+              <a:t>, </a:t>
+            </a:r>
+            <a:r>
+              <a:rPr lang="en-US" sz="1300" dirty="0" err="1">
+                <a:solidFill>
+                  <a:schemeClr val="tx2"/>
+                </a:solidFill>
+              </a:rPr>
+              <a:t>чтобы</a:t>
+            </a:r>
+            <a:r>
+              <a:rPr lang="en-US" sz="1300" dirty="0">
+                <a:solidFill>
+                  <a:schemeClr val="tx2"/>
+                </a:solidFill>
+              </a:rPr>
+              <a:t> </a:t>
+            </a:r>
+            <a:r>
+              <a:rPr lang="en-US" sz="1300" dirty="0" err="1">
+                <a:solidFill>
+                  <a:schemeClr val="tx2"/>
+                </a:solidFill>
+              </a:rPr>
+              <a:t>сосредоточиться</a:t>
+            </a:r>
+            <a:r>
+              <a:rPr lang="en-US" sz="1300" dirty="0">
+                <a:solidFill>
+                  <a:schemeClr val="tx2"/>
+                </a:solidFill>
+              </a:rPr>
+              <a:t> </a:t>
+            </a:r>
+            <a:r>
+              <a:rPr lang="en-US" sz="1300" dirty="0" err="1">
+                <a:solidFill>
+                  <a:schemeClr val="tx2"/>
+                </a:solidFill>
+              </a:rPr>
+              <a:t>на</a:t>
+            </a:r>
+            <a:r>
+              <a:rPr lang="en-US" sz="1300" dirty="0">
+                <a:solidFill>
+                  <a:schemeClr val="tx2"/>
+                </a:solidFill>
+              </a:rPr>
+              <a:t> </a:t>
+            </a:r>
+            <a:r>
+              <a:rPr lang="en-US" sz="1300" dirty="0" err="1">
+                <a:solidFill>
+                  <a:schemeClr val="tx2"/>
+                </a:solidFill>
+              </a:rPr>
+              <a:t>тех</a:t>
+            </a:r>
+            <a:r>
+              <a:rPr lang="en-US" sz="1300" dirty="0">
+                <a:solidFill>
+                  <a:schemeClr val="tx2"/>
+                </a:solidFill>
+              </a:rPr>
+              <a:t> </a:t>
+            </a:r>
+            <a:r>
+              <a:rPr lang="en-US" sz="1300" dirty="0" err="1">
+                <a:solidFill>
+                  <a:schemeClr val="tx2"/>
+                </a:solidFill>
+              </a:rPr>
+              <a:t>наблюдениях</a:t>
+            </a:r>
+            <a:r>
+              <a:rPr lang="en-US" sz="1300" dirty="0">
+                <a:solidFill>
+                  <a:schemeClr val="tx2"/>
+                </a:solidFill>
+              </a:rPr>
+              <a:t>, </a:t>
+            </a:r>
+            <a:r>
+              <a:rPr lang="en-US" sz="1300" dirty="0" err="1">
+                <a:solidFill>
+                  <a:schemeClr val="tx2"/>
+                </a:solidFill>
+              </a:rPr>
+              <a:t>которые</a:t>
+            </a:r>
+            <a:r>
+              <a:rPr lang="en-US" sz="1300" dirty="0">
+                <a:solidFill>
+                  <a:schemeClr val="tx2"/>
+                </a:solidFill>
+              </a:rPr>
+              <a:t> </a:t>
+            </a:r>
+            <a:r>
+              <a:rPr lang="en-US" sz="1300" dirty="0" err="1">
+                <a:solidFill>
+                  <a:schemeClr val="tx2"/>
+                </a:solidFill>
+              </a:rPr>
+              <a:t>были</a:t>
+            </a:r>
+            <a:r>
+              <a:rPr lang="en-US" sz="1300" dirty="0">
+                <a:solidFill>
+                  <a:schemeClr val="tx2"/>
+                </a:solidFill>
+              </a:rPr>
+              <a:t> </a:t>
+            </a:r>
+            <a:r>
+              <a:rPr lang="en-US" sz="1300" dirty="0" err="1">
+                <a:solidFill>
+                  <a:schemeClr val="tx2"/>
+                </a:solidFill>
+              </a:rPr>
+              <a:t>неправильно</a:t>
+            </a:r>
+            <a:r>
+              <a:rPr lang="ru-RU" sz="1300" dirty="0">
+                <a:solidFill>
+                  <a:schemeClr val="tx2"/>
+                </a:solidFill>
+              </a:rPr>
+              <a:t> </a:t>
+            </a:r>
+            <a:r>
+              <a:rPr lang="en-US" sz="1300" dirty="0" err="1">
+                <a:solidFill>
+                  <a:schemeClr val="tx2"/>
+                </a:solidFill>
+              </a:rPr>
+              <a:t>классифицированы</a:t>
+            </a:r>
+            <a:r>
+              <a:rPr lang="en-US" sz="1300" dirty="0">
+                <a:solidFill>
+                  <a:schemeClr val="tx2"/>
+                </a:solidFill>
+              </a:rPr>
+              <a:t> </a:t>
+            </a:r>
+            <a:r>
+              <a:rPr lang="en-US" sz="1300" dirty="0" err="1">
+                <a:solidFill>
+                  <a:schemeClr val="tx2"/>
+                </a:solidFill>
+              </a:rPr>
+              <a:t>или</a:t>
+            </a:r>
+            <a:r>
+              <a:rPr lang="en-US" sz="1300" dirty="0">
+                <a:solidFill>
+                  <a:schemeClr val="tx2"/>
+                </a:solidFill>
+              </a:rPr>
+              <a:t> </a:t>
+            </a:r>
+            <a:r>
+              <a:rPr lang="en-US" sz="1300" dirty="0" err="1">
+                <a:solidFill>
+                  <a:schemeClr val="tx2"/>
+                </a:solidFill>
+              </a:rPr>
+              <a:t>предсказаны</a:t>
+            </a:r>
+            <a:r>
+              <a:rPr lang="en-US" sz="1300" dirty="0">
+                <a:solidFill>
+                  <a:schemeClr val="tx2"/>
+                </a:solidFill>
+              </a:rPr>
+              <a:t> с </a:t>
+            </a:r>
+            <a:r>
+              <a:rPr lang="en-US" sz="1300" dirty="0" err="1">
+                <a:solidFill>
+                  <a:schemeClr val="tx2"/>
+                </a:solidFill>
+              </a:rPr>
+              <a:t>большой</a:t>
+            </a:r>
+            <a:r>
+              <a:rPr lang="en-US" sz="1300" dirty="0">
+                <a:solidFill>
+                  <a:schemeClr val="tx2"/>
+                </a:solidFill>
+              </a:rPr>
+              <a:t> </a:t>
+            </a:r>
+            <a:r>
+              <a:rPr lang="en-US" sz="1300" dirty="0" err="1">
+                <a:solidFill>
+                  <a:schemeClr val="tx2"/>
+                </a:solidFill>
+              </a:rPr>
+              <a:t>ошибкой</a:t>
+            </a:r>
+            <a:r>
+              <a:rPr lang="ru-RU" sz="1300" kern="100" dirty="0">
+                <a:solidFill>
+                  <a:srgbClr val="000000"/>
+                </a:solidFill>
+                <a:latin typeface="Times New Roman" panose="02020603050405020304" pitchFamily="18" charset="0"/>
+                <a:cs typeface="Times New Roman" panose="02020603050405020304" pitchFamily="18" charset="0"/>
+              </a:rPr>
+              <a:t>.</a:t>
+            </a:r>
+            <a:endParaRPr lang="ru-RU" sz="1800" kern="100" dirty="0">
+              <a:effectLst/>
+              <a:latin typeface="Calibri" panose="020F0502020204030204" pitchFamily="34" charset="0"/>
+              <a:ea typeface="Calibri" panose="020F0502020204030204" pitchFamily="34" charset="0"/>
+              <a:cs typeface="Times New Roman" panose="02020603050405020304" pitchFamily="18" charset="0"/>
+            </a:endParaRPr>
+          </a:p>
+          <a:p>
             <a:pPr marL="342900" indent="-342900" algn="ctr">
               <a:lnSpc>
                 <a:spcPct val="150000"/>
               </a:lnSpc>
               <a:buFont typeface="+mj-lt"/>
               <a:buAutoNum type="arabicPeriod"/>
-            </a:pPr>
-            <a:r>
-              <a:rPr lang="ru-RU" sz="1300" dirty="0">
-                <a:solidFill>
-                  <a:schemeClr val="tx2"/>
-                </a:solidFill>
-                <a:latin typeface="GPN_DIN Condensed" panose="020B0506020202020204" pitchFamily="34" charset="-52"/>
-              </a:rPr>
-              <a:t>Прогнозная способность после проведения 6-ти </a:t>
-            </a:r>
-            <a:r>
-              <a:rPr lang="ru-RU" sz="1300" dirty="0" err="1">
-                <a:solidFill>
-                  <a:schemeClr val="tx2"/>
-                </a:solidFill>
-                <a:latin typeface="GPN_DIN Condensed" panose="020B0506020202020204" pitchFamily="34" charset="-52"/>
-              </a:rPr>
-              <a:t>слойной</a:t>
-            </a:r>
-            <a:r>
-              <a:rPr lang="ru-RU" sz="1300" dirty="0">
-                <a:solidFill>
-                  <a:schemeClr val="tx2"/>
-                </a:solidFill>
-                <a:latin typeface="GPN_DIN Condensed" panose="020B0506020202020204" pitchFamily="34" charset="-52"/>
-              </a:rPr>
-              <a:t> кросс-валидации составила 85.57% по среднеквадратичному отклонению</a:t>
-            </a:r>
-          </a:p>
-          <a:p>
-            <a:pPr marL="342900" indent="-342900" algn="ctr">
-              <a:lnSpc>
-                <a:spcPct val="150000"/>
-              </a:lnSpc>
-              <a:buFont typeface="+mj-lt"/>
-              <a:buAutoNum type="arabicPeriod"/>
-            </a:pPr>
-            <a:r>
-              <a:rPr lang="ru-RU" sz="1300" dirty="0">
-                <a:solidFill>
-                  <a:schemeClr val="tx2"/>
-                </a:solidFill>
-                <a:latin typeface="GPN_DIN Condensed" panose="020B0506020202020204" pitchFamily="34" charset="-52"/>
-              </a:rPr>
-              <a:t>Наблюдается нелинейная зависимость параметров от целевой переменной</a:t>
-            </a:r>
-          </a:p>
-          <a:p>
-            <a:pPr marL="342900" lvl="0" indent="-342900">
-              <a:buAutoNum type="arabicParenR"/>
             </a:pPr>
             <a:endParaRPr lang="ru-RU" sz="1300" dirty="0">
               <a:solidFill>
@@ -18228,7 +18931,7 @@
               <a:rPr lang="ru-RU" smtClean="0"/>
               <a:t>9</a:t>
             </a:fld>
-            <a:endParaRPr lang="ru-RU"/>
+            <a:endParaRPr lang="ru-RU" dirty="0"/>
           </a:p>
         </p:txBody>
       </p:sp>
@@ -18328,10 +19031,10 @@
       </p:pic>
       <p:pic>
         <p:nvPicPr>
-          <p:cNvPr id="10" name="Рисунок 9">
-            <a:extLst>
-              <a:ext uri="{FF2B5EF4-FFF2-40B4-BE49-F238E27FC236}">
-                <a16:creationId xmlns:a16="http://schemas.microsoft.com/office/drawing/2014/main" id="{04439390-1EF6-C3DA-9AB8-6ACF675E1502}"/>
+          <p:cNvPr id="8" name="Рисунок 7">
+            <a:extLst>
+              <a:ext uri="{FF2B5EF4-FFF2-40B4-BE49-F238E27FC236}">
+                <a16:creationId xmlns:a16="http://schemas.microsoft.com/office/drawing/2014/main" id="{FEAC6943-8241-7EE1-3F64-A9E621D274D5}"/>
               </a:ext>
             </a:extLst>
           </p:cNvPr>
@@ -18348,8 +19051,8 @@
         </p:blipFill>
         <p:spPr>
           <a:xfrm>
-            <a:off x="9566273" y="3600987"/>
-            <a:ext cx="1952625" cy="1323975"/>
+            <a:off x="9583284" y="4943701"/>
+            <a:ext cx="1952626" cy="1402858"/>
           </a:xfrm>
           <a:prstGeom prst="rect">
             <a:avLst/>
@@ -18358,10 +19061,10 @@
       </p:pic>
       <p:pic>
         <p:nvPicPr>
-          <p:cNvPr id="12" name="Рисунок 11">
-            <a:extLst>
-              <a:ext uri="{FF2B5EF4-FFF2-40B4-BE49-F238E27FC236}">
-                <a16:creationId xmlns:a16="http://schemas.microsoft.com/office/drawing/2014/main" id="{0D059ED0-9FEF-0810-B3A7-1F0000952145}"/>
+          <p:cNvPr id="11" name="Рисунок 10">
+            <a:extLst>
+              <a:ext uri="{FF2B5EF4-FFF2-40B4-BE49-F238E27FC236}">
+                <a16:creationId xmlns:a16="http://schemas.microsoft.com/office/drawing/2014/main" id="{2507AE01-FBF7-8779-681F-C5D120241668}"/>
               </a:ext>
             </a:extLst>
           </p:cNvPr>
@@ -18378,8 +19081,8 @@
         </p:blipFill>
         <p:spPr>
           <a:xfrm>
-            <a:off x="9577596" y="5049089"/>
-            <a:ext cx="1924050" cy="1428750"/>
+            <a:off x="9521923" y="3531052"/>
+            <a:ext cx="2128238" cy="1402858"/>
           </a:xfrm>
           <a:prstGeom prst="rect">
             <a:avLst/>
